--- a/Training/RobotProgramming-01/FRC-4150-RobotProgramming-Training-MODULE-01--2023-10-31.pptx
+++ b/Training/RobotProgramming-01/FRC-4150-RobotProgramming-Training-MODULE-01--2023-10-31.pptx
@@ -353,7 +353,7 @@
             <a:pPr indent="0" algn="r">
               <a:buNone/>
             </a:pPr>
-            <a:fld id="{44482E6B-C9A6-4D67-87DA-474963B2701D}" type="slidenum">
+            <a:fld id="{92136119-F69C-495F-BB38-4593724906B9}" type="slidenum">
               <a:rPr b="0" lang="en-US" sz="1400" spc="-1" strike="noStrike">
                 <a:solidFill>
                   <a:srgbClr val="000000"/>
@@ -407,7 +407,7 @@
         <p:spPr>
           <a:xfrm>
             <a:off x="1257480" y="720720"/>
-            <a:ext cx="4799520" cy="3599280"/>
+            <a:ext cx="4799160" cy="3598920"/>
           </a:xfrm>
           <a:prstGeom prst="rect">
             <a:avLst/>
@@ -430,7 +430,7 @@
         <p:spPr>
           <a:xfrm>
             <a:off x="731880" y="4560840"/>
-            <a:ext cx="5850360" cy="4318560"/>
+            <a:ext cx="5850000" cy="4318200"/>
           </a:xfrm>
           <a:prstGeom prst="rect">
             <a:avLst/>
@@ -470,7 +470,7 @@
         <p:spPr>
           <a:xfrm>
             <a:off x="4143240" y="0"/>
-            <a:ext cx="3169080" cy="478440"/>
+            <a:ext cx="3168720" cy="478080"/>
           </a:xfrm>
           <a:prstGeom prst="rect">
             <a:avLst/>
@@ -490,6 +490,9 @@
                 <a:spcPct val="100000"/>
               </a:lnSpc>
               <a:buNone/>
+              <a:tabLst>
+                <a:tab algn="l" pos="0"/>
+              </a:tabLst>
               <a:defRPr b="0" lang="en-US" sz="1300" spc="-1" strike="noStrike">
                 <a:solidFill>
                   <a:srgbClr val="000000"/>
@@ -505,6 +508,9 @@
                 <a:spcPct val="100000"/>
               </a:lnSpc>
               <a:buNone/>
+              <a:tabLst>
+                <a:tab algn="l" pos="0"/>
+              </a:tabLst>
             </a:pPr>
             <a:r>
               <a:rPr b="0" lang="en-US" sz="1300" spc="-1" strike="noStrike">
@@ -538,7 +544,7 @@
         <p:spPr>
           <a:xfrm>
             <a:off x="0" y="9120240"/>
-            <a:ext cx="3169080" cy="478440"/>
+            <a:ext cx="3168720" cy="478080"/>
           </a:xfrm>
           <a:prstGeom prst="rect">
             <a:avLst/>
@@ -558,6 +564,9 @@
                 <a:spcPct val="100000"/>
               </a:lnSpc>
               <a:buNone/>
+              <a:tabLst>
+                <a:tab algn="l" pos="0"/>
+              </a:tabLst>
               <a:defRPr b="0" lang="en-US" sz="1300" spc="-1" strike="noStrike">
                 <a:solidFill>
                   <a:srgbClr val="000000"/>
@@ -573,6 +582,9 @@
                 <a:spcPct val="100000"/>
               </a:lnSpc>
               <a:buNone/>
+              <a:tabLst>
+                <a:tab algn="l" pos="0"/>
+              </a:tabLst>
             </a:pPr>
             <a:r>
               <a:rPr b="0" lang="en-US" sz="1300" spc="-1" strike="noStrike">
@@ -606,7 +618,7 @@
         <p:spPr>
           <a:xfrm>
             <a:off x="4143240" y="9120240"/>
-            <a:ext cx="3169080" cy="478440"/>
+            <a:ext cx="3168720" cy="478080"/>
           </a:xfrm>
           <a:prstGeom prst="rect">
             <a:avLst/>
@@ -626,6 +638,9 @@
                 <a:spcPct val="100000"/>
               </a:lnSpc>
               <a:buNone/>
+              <a:tabLst>
+                <a:tab algn="l" pos="0"/>
+              </a:tabLst>
               <a:defRPr b="0" lang="en-US" sz="1300" spc="-1" strike="noStrike">
                 <a:solidFill>
                   <a:srgbClr val="000000"/>
@@ -641,8 +656,11 @@
                 <a:spcPct val="100000"/>
               </a:lnSpc>
               <a:buNone/>
-            </a:pPr>
-            <a:fld id="{4BF68FE4-58C9-4F8A-BC85-39B2AC06F879}" type="slidenum">
+              <a:tabLst>
+                <a:tab algn="l" pos="0"/>
+              </a:tabLst>
+            </a:pPr>
+            <a:fld id="{76275AE8-9A49-4D89-A0B6-7C35BF69A7C3}" type="slidenum">
               <a:rPr b="0" lang="en-US" sz="1300" spc="-1" strike="noStrike">
                 <a:solidFill>
                   <a:srgbClr val="000000"/>
@@ -696,7 +714,7 @@
         <p:spPr>
           <a:xfrm>
             <a:off x="1257480" y="720720"/>
-            <a:ext cx="4799520" cy="3599280"/>
+            <a:ext cx="4799160" cy="3598920"/>
           </a:xfrm>
           <a:prstGeom prst="rect">
             <a:avLst/>
@@ -719,7 +737,7 @@
         <p:spPr>
           <a:xfrm>
             <a:off x="731880" y="4560840"/>
-            <a:ext cx="5850360" cy="4318560"/>
+            <a:ext cx="5850000" cy="4318200"/>
           </a:xfrm>
           <a:prstGeom prst="rect">
             <a:avLst/>
@@ -759,7 +777,7 @@
         <p:spPr>
           <a:xfrm>
             <a:off x="4143240" y="0"/>
-            <a:ext cx="3169080" cy="478440"/>
+            <a:ext cx="3168720" cy="478080"/>
           </a:xfrm>
           <a:prstGeom prst="rect">
             <a:avLst/>
@@ -779,6 +797,9 @@
                 <a:spcPct val="100000"/>
               </a:lnSpc>
               <a:buNone/>
+              <a:tabLst>
+                <a:tab algn="l" pos="0"/>
+              </a:tabLst>
               <a:defRPr b="0" lang="en-US" sz="1300" spc="-1" strike="noStrike">
                 <a:solidFill>
                   <a:srgbClr val="000000"/>
@@ -794,6 +815,9 @@
                 <a:spcPct val="100000"/>
               </a:lnSpc>
               <a:buNone/>
+              <a:tabLst>
+                <a:tab algn="l" pos="0"/>
+              </a:tabLst>
             </a:pPr>
             <a:r>
               <a:rPr b="0" lang="en-US" sz="1300" spc="-1" strike="noStrike">
@@ -827,7 +851,7 @@
         <p:spPr>
           <a:xfrm>
             <a:off x="0" y="9120240"/>
-            <a:ext cx="3169080" cy="478440"/>
+            <a:ext cx="3168720" cy="478080"/>
           </a:xfrm>
           <a:prstGeom prst="rect">
             <a:avLst/>
@@ -847,6 +871,9 @@
                 <a:spcPct val="100000"/>
               </a:lnSpc>
               <a:buNone/>
+              <a:tabLst>
+                <a:tab algn="l" pos="0"/>
+              </a:tabLst>
               <a:defRPr b="0" lang="en-US" sz="1300" spc="-1" strike="noStrike">
                 <a:solidFill>
                   <a:srgbClr val="000000"/>
@@ -862,6 +889,9 @@
                 <a:spcPct val="100000"/>
               </a:lnSpc>
               <a:buNone/>
+              <a:tabLst>
+                <a:tab algn="l" pos="0"/>
+              </a:tabLst>
             </a:pPr>
             <a:r>
               <a:rPr b="0" lang="en-US" sz="1300" spc="-1" strike="noStrike">
@@ -895,7 +925,7 @@
         <p:spPr>
           <a:xfrm>
             <a:off x="4143240" y="9120240"/>
-            <a:ext cx="3169080" cy="478440"/>
+            <a:ext cx="3168720" cy="478080"/>
           </a:xfrm>
           <a:prstGeom prst="rect">
             <a:avLst/>
@@ -915,6 +945,9 @@
                 <a:spcPct val="100000"/>
               </a:lnSpc>
               <a:buNone/>
+              <a:tabLst>
+                <a:tab algn="l" pos="0"/>
+              </a:tabLst>
               <a:defRPr b="0" lang="en-US" sz="1300" spc="-1" strike="noStrike">
                 <a:solidFill>
                   <a:srgbClr val="000000"/>
@@ -930,8 +963,11 @@
                 <a:spcPct val="100000"/>
               </a:lnSpc>
               <a:buNone/>
-            </a:pPr>
-            <a:fld id="{33C05296-582F-443F-BE9A-7DF13EF1AA77}" type="slidenum">
+              <a:tabLst>
+                <a:tab algn="l" pos="0"/>
+              </a:tabLst>
+            </a:pPr>
+            <a:fld id="{5A999967-A61C-42C9-BD0B-AB14BF2444A5}" type="slidenum">
               <a:rPr b="0" lang="en-US" sz="1300" spc="-1" strike="noStrike">
                 <a:solidFill>
                   <a:srgbClr val="000000"/>
@@ -985,7 +1021,7 @@
         <p:spPr>
           <a:xfrm>
             <a:off x="1257480" y="720720"/>
-            <a:ext cx="4799520" cy="3599280"/>
+            <a:ext cx="4799160" cy="3598920"/>
           </a:xfrm>
           <a:prstGeom prst="rect">
             <a:avLst/>
@@ -1008,7 +1044,7 @@
         <p:spPr>
           <a:xfrm>
             <a:off x="731880" y="4560840"/>
-            <a:ext cx="5850360" cy="4318560"/>
+            <a:ext cx="5850000" cy="4318200"/>
           </a:xfrm>
           <a:prstGeom prst="rect">
             <a:avLst/>
@@ -1048,7 +1084,7 @@
         <p:spPr>
           <a:xfrm>
             <a:off x="4143240" y="0"/>
-            <a:ext cx="3169080" cy="478440"/>
+            <a:ext cx="3168720" cy="478080"/>
           </a:xfrm>
           <a:prstGeom prst="rect">
             <a:avLst/>
@@ -1068,6 +1104,9 @@
                 <a:spcPct val="100000"/>
               </a:lnSpc>
               <a:buNone/>
+              <a:tabLst>
+                <a:tab algn="l" pos="0"/>
+              </a:tabLst>
               <a:defRPr b="0" lang="en-US" sz="1300" spc="-1" strike="noStrike">
                 <a:solidFill>
                   <a:srgbClr val="000000"/>
@@ -1083,6 +1122,9 @@
                 <a:spcPct val="100000"/>
               </a:lnSpc>
               <a:buNone/>
+              <a:tabLst>
+                <a:tab algn="l" pos="0"/>
+              </a:tabLst>
             </a:pPr>
             <a:r>
               <a:rPr b="0" lang="en-US" sz="1300" spc="-1" strike="noStrike">
@@ -1116,7 +1158,7 @@
         <p:spPr>
           <a:xfrm>
             <a:off x="0" y="9120240"/>
-            <a:ext cx="3169080" cy="478440"/>
+            <a:ext cx="3168720" cy="478080"/>
           </a:xfrm>
           <a:prstGeom prst="rect">
             <a:avLst/>
@@ -1136,6 +1178,9 @@
                 <a:spcPct val="100000"/>
               </a:lnSpc>
               <a:buNone/>
+              <a:tabLst>
+                <a:tab algn="l" pos="0"/>
+              </a:tabLst>
               <a:defRPr b="0" lang="en-US" sz="1300" spc="-1" strike="noStrike">
                 <a:solidFill>
                   <a:srgbClr val="000000"/>
@@ -1151,6 +1196,9 @@
                 <a:spcPct val="100000"/>
               </a:lnSpc>
               <a:buNone/>
+              <a:tabLst>
+                <a:tab algn="l" pos="0"/>
+              </a:tabLst>
             </a:pPr>
             <a:r>
               <a:rPr b="0" lang="en-US" sz="1300" spc="-1" strike="noStrike">
@@ -1184,7 +1232,7 @@
         <p:spPr>
           <a:xfrm>
             <a:off x="4143240" y="9120240"/>
-            <a:ext cx="3169080" cy="478440"/>
+            <a:ext cx="3168720" cy="478080"/>
           </a:xfrm>
           <a:prstGeom prst="rect">
             <a:avLst/>
@@ -1204,6 +1252,9 @@
                 <a:spcPct val="100000"/>
               </a:lnSpc>
               <a:buNone/>
+              <a:tabLst>
+                <a:tab algn="l" pos="0"/>
+              </a:tabLst>
               <a:defRPr b="0" lang="en-US" sz="1300" spc="-1" strike="noStrike">
                 <a:solidFill>
                   <a:srgbClr val="000000"/>
@@ -1219,8 +1270,11 @@
                 <a:spcPct val="100000"/>
               </a:lnSpc>
               <a:buNone/>
-            </a:pPr>
-            <a:fld id="{54216556-2AEA-4D0C-B813-B686D157A544}" type="slidenum">
+              <a:tabLst>
+                <a:tab algn="l" pos="0"/>
+              </a:tabLst>
+            </a:pPr>
+            <a:fld id="{D22F900C-99F8-442A-84BE-641BD3BBB522}" type="slidenum">
               <a:rPr b="0" lang="en-US" sz="1300" spc="-1" strike="noStrike">
                 <a:solidFill>
                   <a:srgbClr val="000000"/>
@@ -1274,7 +1328,7 @@
         <p:spPr>
           <a:xfrm>
             <a:off x="1257480" y="720720"/>
-            <a:ext cx="4799520" cy="3599280"/>
+            <a:ext cx="4799160" cy="3598920"/>
           </a:xfrm>
           <a:prstGeom prst="rect">
             <a:avLst/>
@@ -1297,7 +1351,7 @@
         <p:spPr>
           <a:xfrm>
             <a:off x="731880" y="4560840"/>
-            <a:ext cx="5850360" cy="4318560"/>
+            <a:ext cx="5850000" cy="4318200"/>
           </a:xfrm>
           <a:prstGeom prst="rect">
             <a:avLst/>
@@ -1337,7 +1391,7 @@
         <p:spPr>
           <a:xfrm>
             <a:off x="4143240" y="0"/>
-            <a:ext cx="3169080" cy="478440"/>
+            <a:ext cx="3168720" cy="478080"/>
           </a:xfrm>
           <a:prstGeom prst="rect">
             <a:avLst/>
@@ -1357,6 +1411,9 @@
                 <a:spcPct val="100000"/>
               </a:lnSpc>
               <a:buNone/>
+              <a:tabLst>
+                <a:tab algn="l" pos="0"/>
+              </a:tabLst>
               <a:defRPr b="0" lang="en-US" sz="1300" spc="-1" strike="noStrike">
                 <a:solidFill>
                   <a:srgbClr val="000000"/>
@@ -1372,6 +1429,9 @@
                 <a:spcPct val="100000"/>
               </a:lnSpc>
               <a:buNone/>
+              <a:tabLst>
+                <a:tab algn="l" pos="0"/>
+              </a:tabLst>
             </a:pPr>
             <a:r>
               <a:rPr b="0" lang="en-US" sz="1300" spc="-1" strike="noStrike">
@@ -1405,7 +1465,7 @@
         <p:spPr>
           <a:xfrm>
             <a:off x="0" y="9120240"/>
-            <a:ext cx="3169080" cy="478440"/>
+            <a:ext cx="3168720" cy="478080"/>
           </a:xfrm>
           <a:prstGeom prst="rect">
             <a:avLst/>
@@ -1425,6 +1485,9 @@
                 <a:spcPct val="100000"/>
               </a:lnSpc>
               <a:buNone/>
+              <a:tabLst>
+                <a:tab algn="l" pos="0"/>
+              </a:tabLst>
               <a:defRPr b="0" lang="en-US" sz="1300" spc="-1" strike="noStrike">
                 <a:solidFill>
                   <a:srgbClr val="000000"/>
@@ -1440,6 +1503,9 @@
                 <a:spcPct val="100000"/>
               </a:lnSpc>
               <a:buNone/>
+              <a:tabLst>
+                <a:tab algn="l" pos="0"/>
+              </a:tabLst>
             </a:pPr>
             <a:r>
               <a:rPr b="0" lang="en-US" sz="1300" spc="-1" strike="noStrike">
@@ -1473,7 +1539,7 @@
         <p:spPr>
           <a:xfrm>
             <a:off x="4143240" y="9120240"/>
-            <a:ext cx="3169080" cy="478440"/>
+            <a:ext cx="3168720" cy="478080"/>
           </a:xfrm>
           <a:prstGeom prst="rect">
             <a:avLst/>
@@ -1493,6 +1559,9 @@
                 <a:spcPct val="100000"/>
               </a:lnSpc>
               <a:buNone/>
+              <a:tabLst>
+                <a:tab algn="l" pos="0"/>
+              </a:tabLst>
               <a:defRPr b="0" lang="en-US" sz="1300" spc="-1" strike="noStrike">
                 <a:solidFill>
                   <a:srgbClr val="000000"/>
@@ -1508,8 +1577,11 @@
                 <a:spcPct val="100000"/>
               </a:lnSpc>
               <a:buNone/>
-            </a:pPr>
-            <a:fld id="{0EBA564A-9E2B-40E8-8D78-730155CBCBA3}" type="slidenum">
+              <a:tabLst>
+                <a:tab algn="l" pos="0"/>
+              </a:tabLst>
+            </a:pPr>
+            <a:fld id="{0E8488F6-EA17-4D98-BDDD-1666A9256D01}" type="slidenum">
               <a:rPr b="0" lang="en-US" sz="1300" spc="-1" strike="noStrike">
                 <a:solidFill>
                   <a:srgbClr val="000000"/>
@@ -1563,7 +1635,7 @@
         <p:spPr>
           <a:xfrm>
             <a:off x="1257480" y="720720"/>
-            <a:ext cx="4799520" cy="3599280"/>
+            <a:ext cx="4799160" cy="3598920"/>
           </a:xfrm>
           <a:prstGeom prst="rect">
             <a:avLst/>
@@ -1586,7 +1658,7 @@
         <p:spPr>
           <a:xfrm>
             <a:off x="731880" y="4560840"/>
-            <a:ext cx="5850360" cy="4318560"/>
+            <a:ext cx="5850000" cy="4318200"/>
           </a:xfrm>
           <a:prstGeom prst="rect">
             <a:avLst/>
@@ -1626,7 +1698,7 @@
         <p:spPr>
           <a:xfrm>
             <a:off x="4143240" y="0"/>
-            <a:ext cx="3169080" cy="478440"/>
+            <a:ext cx="3168720" cy="478080"/>
           </a:xfrm>
           <a:prstGeom prst="rect">
             <a:avLst/>
@@ -1646,6 +1718,9 @@
                 <a:spcPct val="100000"/>
               </a:lnSpc>
               <a:buNone/>
+              <a:tabLst>
+                <a:tab algn="l" pos="0"/>
+              </a:tabLst>
               <a:defRPr b="0" lang="en-US" sz="1300" spc="-1" strike="noStrike">
                 <a:solidFill>
                   <a:srgbClr val="000000"/>
@@ -1661,6 +1736,9 @@
                 <a:spcPct val="100000"/>
               </a:lnSpc>
               <a:buNone/>
+              <a:tabLst>
+                <a:tab algn="l" pos="0"/>
+              </a:tabLst>
             </a:pPr>
             <a:r>
               <a:rPr b="0" lang="en-US" sz="1300" spc="-1" strike="noStrike">
@@ -1694,7 +1772,7 @@
         <p:spPr>
           <a:xfrm>
             <a:off x="0" y="9120240"/>
-            <a:ext cx="3169080" cy="478440"/>
+            <a:ext cx="3168720" cy="478080"/>
           </a:xfrm>
           <a:prstGeom prst="rect">
             <a:avLst/>
@@ -1714,6 +1792,9 @@
                 <a:spcPct val="100000"/>
               </a:lnSpc>
               <a:buNone/>
+              <a:tabLst>
+                <a:tab algn="l" pos="0"/>
+              </a:tabLst>
               <a:defRPr b="0" lang="en-US" sz="1300" spc="-1" strike="noStrike">
                 <a:solidFill>
                   <a:srgbClr val="000000"/>
@@ -1729,6 +1810,9 @@
                 <a:spcPct val="100000"/>
               </a:lnSpc>
               <a:buNone/>
+              <a:tabLst>
+                <a:tab algn="l" pos="0"/>
+              </a:tabLst>
             </a:pPr>
             <a:r>
               <a:rPr b="0" lang="en-US" sz="1300" spc="-1" strike="noStrike">
@@ -1762,7 +1846,7 @@
         <p:spPr>
           <a:xfrm>
             <a:off x="4143240" y="9120240"/>
-            <a:ext cx="3169080" cy="478440"/>
+            <a:ext cx="3168720" cy="478080"/>
           </a:xfrm>
           <a:prstGeom prst="rect">
             <a:avLst/>
@@ -1782,6 +1866,9 @@
                 <a:spcPct val="100000"/>
               </a:lnSpc>
               <a:buNone/>
+              <a:tabLst>
+                <a:tab algn="l" pos="0"/>
+              </a:tabLst>
               <a:defRPr b="0" lang="en-US" sz="1300" spc="-1" strike="noStrike">
                 <a:solidFill>
                   <a:srgbClr val="000000"/>
@@ -1797,8 +1884,11 @@
                 <a:spcPct val="100000"/>
               </a:lnSpc>
               <a:buNone/>
-            </a:pPr>
-            <a:fld id="{003C614B-D2EC-489F-9182-486F66AE4821}" type="slidenum">
+              <a:tabLst>
+                <a:tab algn="l" pos="0"/>
+              </a:tabLst>
+            </a:pPr>
+            <a:fld id="{A48CA317-4721-4649-9093-31EA0130EBC5}" type="slidenum">
               <a:rPr b="0" lang="en-US" sz="1300" spc="-1" strike="noStrike">
                 <a:solidFill>
                   <a:srgbClr val="000000"/>
@@ -1852,7 +1942,7 @@
         <p:spPr>
           <a:xfrm>
             <a:off x="1257480" y="720720"/>
-            <a:ext cx="4799520" cy="3599280"/>
+            <a:ext cx="4799160" cy="3598920"/>
           </a:xfrm>
           <a:prstGeom prst="rect">
             <a:avLst/>
@@ -1875,7 +1965,7 @@
         <p:spPr>
           <a:xfrm>
             <a:off x="731880" y="4560840"/>
-            <a:ext cx="5850360" cy="4318560"/>
+            <a:ext cx="5850000" cy="4318200"/>
           </a:xfrm>
           <a:prstGeom prst="rect">
             <a:avLst/>
@@ -1915,7 +2005,7 @@
         <p:spPr>
           <a:xfrm>
             <a:off x="4143240" y="0"/>
-            <a:ext cx="3169080" cy="478440"/>
+            <a:ext cx="3168720" cy="478080"/>
           </a:xfrm>
           <a:prstGeom prst="rect">
             <a:avLst/>
@@ -1935,6 +2025,9 @@
                 <a:spcPct val="100000"/>
               </a:lnSpc>
               <a:buNone/>
+              <a:tabLst>
+                <a:tab algn="l" pos="0"/>
+              </a:tabLst>
               <a:defRPr b="0" lang="en-US" sz="1300" spc="-1" strike="noStrike">
                 <a:solidFill>
                   <a:srgbClr val="000000"/>
@@ -1950,6 +2043,9 @@
                 <a:spcPct val="100000"/>
               </a:lnSpc>
               <a:buNone/>
+              <a:tabLst>
+                <a:tab algn="l" pos="0"/>
+              </a:tabLst>
             </a:pPr>
             <a:r>
               <a:rPr b="0" lang="en-US" sz="1300" spc="-1" strike="noStrike">
@@ -1983,7 +2079,7 @@
         <p:spPr>
           <a:xfrm>
             <a:off x="0" y="9120240"/>
-            <a:ext cx="3169080" cy="478440"/>
+            <a:ext cx="3168720" cy="478080"/>
           </a:xfrm>
           <a:prstGeom prst="rect">
             <a:avLst/>
@@ -2003,6 +2099,9 @@
                 <a:spcPct val="100000"/>
               </a:lnSpc>
               <a:buNone/>
+              <a:tabLst>
+                <a:tab algn="l" pos="0"/>
+              </a:tabLst>
               <a:defRPr b="0" lang="en-US" sz="1300" spc="-1" strike="noStrike">
                 <a:solidFill>
                   <a:srgbClr val="000000"/>
@@ -2018,6 +2117,9 @@
                 <a:spcPct val="100000"/>
               </a:lnSpc>
               <a:buNone/>
+              <a:tabLst>
+                <a:tab algn="l" pos="0"/>
+              </a:tabLst>
             </a:pPr>
             <a:r>
               <a:rPr b="0" lang="en-US" sz="1300" spc="-1" strike="noStrike">
@@ -2051,7 +2153,7 @@
         <p:spPr>
           <a:xfrm>
             <a:off x="4143240" y="9120240"/>
-            <a:ext cx="3169080" cy="478440"/>
+            <a:ext cx="3168720" cy="478080"/>
           </a:xfrm>
           <a:prstGeom prst="rect">
             <a:avLst/>
@@ -2071,6 +2173,9 @@
                 <a:spcPct val="100000"/>
               </a:lnSpc>
               <a:buNone/>
+              <a:tabLst>
+                <a:tab algn="l" pos="0"/>
+              </a:tabLst>
               <a:defRPr b="0" lang="en-US" sz="1300" spc="-1" strike="noStrike">
                 <a:solidFill>
                   <a:srgbClr val="000000"/>
@@ -2086,8 +2191,11 @@
                 <a:spcPct val="100000"/>
               </a:lnSpc>
               <a:buNone/>
-            </a:pPr>
-            <a:fld id="{ABD98CE8-D152-44C0-AEDE-911587294520}" type="slidenum">
+              <a:tabLst>
+                <a:tab algn="l" pos="0"/>
+              </a:tabLst>
+            </a:pPr>
+            <a:fld id="{1E3BD620-70A3-447C-8EEE-E548A80F1395}" type="slidenum">
               <a:rPr b="0" lang="en-US" sz="1300" spc="-1" strike="noStrike">
                 <a:solidFill>
                   <a:srgbClr val="000000"/>
@@ -2141,7 +2249,7 @@
         <p:spPr>
           <a:xfrm>
             <a:off x="1257480" y="720720"/>
-            <a:ext cx="4799520" cy="3599280"/>
+            <a:ext cx="4799160" cy="3598920"/>
           </a:xfrm>
           <a:prstGeom prst="rect">
             <a:avLst/>
@@ -2164,7 +2272,7 @@
         <p:spPr>
           <a:xfrm>
             <a:off x="731880" y="4560840"/>
-            <a:ext cx="5850360" cy="4318560"/>
+            <a:ext cx="5850000" cy="4318200"/>
           </a:xfrm>
           <a:prstGeom prst="rect">
             <a:avLst/>
@@ -2204,7 +2312,7 @@
         <p:spPr>
           <a:xfrm>
             <a:off x="4143240" y="0"/>
-            <a:ext cx="3169080" cy="478440"/>
+            <a:ext cx="3168720" cy="478080"/>
           </a:xfrm>
           <a:prstGeom prst="rect">
             <a:avLst/>
@@ -2224,6 +2332,9 @@
                 <a:spcPct val="100000"/>
               </a:lnSpc>
               <a:buNone/>
+              <a:tabLst>
+                <a:tab algn="l" pos="0"/>
+              </a:tabLst>
               <a:defRPr b="0" lang="en-US" sz="1300" spc="-1" strike="noStrike">
                 <a:solidFill>
                   <a:srgbClr val="000000"/>
@@ -2239,6 +2350,9 @@
                 <a:spcPct val="100000"/>
               </a:lnSpc>
               <a:buNone/>
+              <a:tabLst>
+                <a:tab algn="l" pos="0"/>
+              </a:tabLst>
             </a:pPr>
             <a:r>
               <a:rPr b="0" lang="en-US" sz="1300" spc="-1" strike="noStrike">
@@ -2272,7 +2386,7 @@
         <p:spPr>
           <a:xfrm>
             <a:off x="0" y="9120240"/>
-            <a:ext cx="3169080" cy="478440"/>
+            <a:ext cx="3168720" cy="478080"/>
           </a:xfrm>
           <a:prstGeom prst="rect">
             <a:avLst/>
@@ -2292,6 +2406,9 @@
                 <a:spcPct val="100000"/>
               </a:lnSpc>
               <a:buNone/>
+              <a:tabLst>
+                <a:tab algn="l" pos="0"/>
+              </a:tabLst>
               <a:defRPr b="0" lang="en-US" sz="1300" spc="-1" strike="noStrike">
                 <a:solidFill>
                   <a:srgbClr val="000000"/>
@@ -2307,6 +2424,9 @@
                 <a:spcPct val="100000"/>
               </a:lnSpc>
               <a:buNone/>
+              <a:tabLst>
+                <a:tab algn="l" pos="0"/>
+              </a:tabLst>
             </a:pPr>
             <a:r>
               <a:rPr b="0" lang="en-US" sz="1300" spc="-1" strike="noStrike">
@@ -2340,7 +2460,7 @@
         <p:spPr>
           <a:xfrm>
             <a:off x="4143240" y="9120240"/>
-            <a:ext cx="3169080" cy="478440"/>
+            <a:ext cx="3168720" cy="478080"/>
           </a:xfrm>
           <a:prstGeom prst="rect">
             <a:avLst/>
@@ -2360,6 +2480,9 @@
                 <a:spcPct val="100000"/>
               </a:lnSpc>
               <a:buNone/>
+              <a:tabLst>
+                <a:tab algn="l" pos="0"/>
+              </a:tabLst>
               <a:defRPr b="0" lang="en-US" sz="1300" spc="-1" strike="noStrike">
                 <a:solidFill>
                   <a:srgbClr val="000000"/>
@@ -2375,8 +2498,11 @@
                 <a:spcPct val="100000"/>
               </a:lnSpc>
               <a:buNone/>
-            </a:pPr>
-            <a:fld id="{3E8D9F5E-D55C-41C5-B4C6-835E0F9EC085}" type="slidenum">
+              <a:tabLst>
+                <a:tab algn="l" pos="0"/>
+              </a:tabLst>
+            </a:pPr>
+            <a:fld id="{16B07288-6698-4FF2-88D4-1607F9E09760}" type="slidenum">
               <a:rPr b="0" lang="en-US" sz="1300" spc="-1" strike="noStrike">
                 <a:solidFill>
                   <a:srgbClr val="000000"/>
@@ -2430,7 +2556,7 @@
         <p:spPr>
           <a:xfrm>
             <a:off x="1257480" y="720720"/>
-            <a:ext cx="4799520" cy="3599280"/>
+            <a:ext cx="4799160" cy="3598920"/>
           </a:xfrm>
           <a:prstGeom prst="rect">
             <a:avLst/>
@@ -2453,7 +2579,7 @@
         <p:spPr>
           <a:xfrm>
             <a:off x="731880" y="4560840"/>
-            <a:ext cx="5850360" cy="4318560"/>
+            <a:ext cx="5850000" cy="4318200"/>
           </a:xfrm>
           <a:prstGeom prst="rect">
             <a:avLst/>
@@ -2493,7 +2619,7 @@
         <p:spPr>
           <a:xfrm>
             <a:off x="4143240" y="0"/>
-            <a:ext cx="3169080" cy="478440"/>
+            <a:ext cx="3168720" cy="478080"/>
           </a:xfrm>
           <a:prstGeom prst="rect">
             <a:avLst/>
@@ -2513,6 +2639,9 @@
                 <a:spcPct val="100000"/>
               </a:lnSpc>
               <a:buNone/>
+              <a:tabLst>
+                <a:tab algn="l" pos="0"/>
+              </a:tabLst>
               <a:defRPr b="0" lang="en-US" sz="1300" spc="-1" strike="noStrike">
                 <a:solidFill>
                   <a:srgbClr val="000000"/>
@@ -2528,6 +2657,9 @@
                 <a:spcPct val="100000"/>
               </a:lnSpc>
               <a:buNone/>
+              <a:tabLst>
+                <a:tab algn="l" pos="0"/>
+              </a:tabLst>
             </a:pPr>
             <a:r>
               <a:rPr b="0" lang="en-US" sz="1300" spc="-1" strike="noStrike">
@@ -2561,7 +2693,7 @@
         <p:spPr>
           <a:xfrm>
             <a:off x="0" y="9120240"/>
-            <a:ext cx="3169080" cy="478440"/>
+            <a:ext cx="3168720" cy="478080"/>
           </a:xfrm>
           <a:prstGeom prst="rect">
             <a:avLst/>
@@ -2581,6 +2713,9 @@
                 <a:spcPct val="100000"/>
               </a:lnSpc>
               <a:buNone/>
+              <a:tabLst>
+                <a:tab algn="l" pos="0"/>
+              </a:tabLst>
               <a:defRPr b="0" lang="en-US" sz="1300" spc="-1" strike="noStrike">
                 <a:solidFill>
                   <a:srgbClr val="000000"/>
@@ -2596,6 +2731,9 @@
                 <a:spcPct val="100000"/>
               </a:lnSpc>
               <a:buNone/>
+              <a:tabLst>
+                <a:tab algn="l" pos="0"/>
+              </a:tabLst>
             </a:pPr>
             <a:r>
               <a:rPr b="0" lang="en-US" sz="1300" spc="-1" strike="noStrike">
@@ -2629,7 +2767,7 @@
         <p:spPr>
           <a:xfrm>
             <a:off x="4143240" y="9120240"/>
-            <a:ext cx="3169080" cy="478440"/>
+            <a:ext cx="3168720" cy="478080"/>
           </a:xfrm>
           <a:prstGeom prst="rect">
             <a:avLst/>
@@ -2649,6 +2787,9 @@
                 <a:spcPct val="100000"/>
               </a:lnSpc>
               <a:buNone/>
+              <a:tabLst>
+                <a:tab algn="l" pos="0"/>
+              </a:tabLst>
               <a:defRPr b="0" lang="en-US" sz="1300" spc="-1" strike="noStrike">
                 <a:solidFill>
                   <a:srgbClr val="000000"/>
@@ -2664,8 +2805,11 @@
                 <a:spcPct val="100000"/>
               </a:lnSpc>
               <a:buNone/>
-            </a:pPr>
-            <a:fld id="{26EF5E37-C5EC-4EA8-8681-3780D66458FF}" type="slidenum">
+              <a:tabLst>
+                <a:tab algn="l" pos="0"/>
+              </a:tabLst>
+            </a:pPr>
+            <a:fld id="{32E91B6D-3F0B-45B2-854B-A9927484C4D2}" type="slidenum">
               <a:rPr b="0" lang="en-US" sz="1300" spc="-1" strike="noStrike">
                 <a:solidFill>
                   <a:srgbClr val="000000"/>
@@ -2719,7 +2863,7 @@
         <p:spPr>
           <a:xfrm>
             <a:off x="1257480" y="720720"/>
-            <a:ext cx="4799520" cy="3599280"/>
+            <a:ext cx="4799160" cy="3598920"/>
           </a:xfrm>
           <a:prstGeom prst="rect">
             <a:avLst/>
@@ -2742,7 +2886,7 @@
         <p:spPr>
           <a:xfrm>
             <a:off x="731880" y="4560840"/>
-            <a:ext cx="5850360" cy="4318560"/>
+            <a:ext cx="5850000" cy="4318200"/>
           </a:xfrm>
           <a:prstGeom prst="rect">
             <a:avLst/>
@@ -2782,7 +2926,7 @@
         <p:spPr>
           <a:xfrm>
             <a:off x="4143240" y="0"/>
-            <a:ext cx="3169080" cy="478440"/>
+            <a:ext cx="3168720" cy="478080"/>
           </a:xfrm>
           <a:prstGeom prst="rect">
             <a:avLst/>
@@ -2802,6 +2946,9 @@
                 <a:spcPct val="100000"/>
               </a:lnSpc>
               <a:buNone/>
+              <a:tabLst>
+                <a:tab algn="l" pos="0"/>
+              </a:tabLst>
               <a:defRPr b="0" lang="en-US" sz="1300" spc="-1" strike="noStrike">
                 <a:solidFill>
                   <a:srgbClr val="000000"/>
@@ -2817,6 +2964,9 @@
                 <a:spcPct val="100000"/>
               </a:lnSpc>
               <a:buNone/>
+              <a:tabLst>
+                <a:tab algn="l" pos="0"/>
+              </a:tabLst>
             </a:pPr>
             <a:r>
               <a:rPr b="0" lang="en-US" sz="1300" spc="-1" strike="noStrike">
@@ -2850,7 +3000,7 @@
         <p:spPr>
           <a:xfrm>
             <a:off x="0" y="9120240"/>
-            <a:ext cx="3169080" cy="478440"/>
+            <a:ext cx="3168720" cy="478080"/>
           </a:xfrm>
           <a:prstGeom prst="rect">
             <a:avLst/>
@@ -2870,6 +3020,9 @@
                 <a:spcPct val="100000"/>
               </a:lnSpc>
               <a:buNone/>
+              <a:tabLst>
+                <a:tab algn="l" pos="0"/>
+              </a:tabLst>
               <a:defRPr b="0" lang="en-US" sz="1300" spc="-1" strike="noStrike">
                 <a:solidFill>
                   <a:srgbClr val="000000"/>
@@ -2885,6 +3038,9 @@
                 <a:spcPct val="100000"/>
               </a:lnSpc>
               <a:buNone/>
+              <a:tabLst>
+                <a:tab algn="l" pos="0"/>
+              </a:tabLst>
             </a:pPr>
             <a:r>
               <a:rPr b="0" lang="en-US" sz="1300" spc="-1" strike="noStrike">
@@ -2918,7 +3074,7 @@
         <p:spPr>
           <a:xfrm>
             <a:off x="4143240" y="9120240"/>
-            <a:ext cx="3169080" cy="478440"/>
+            <a:ext cx="3168720" cy="478080"/>
           </a:xfrm>
           <a:prstGeom prst="rect">
             <a:avLst/>
@@ -2938,6 +3094,9 @@
                 <a:spcPct val="100000"/>
               </a:lnSpc>
               <a:buNone/>
+              <a:tabLst>
+                <a:tab algn="l" pos="0"/>
+              </a:tabLst>
               <a:defRPr b="0" lang="en-US" sz="1300" spc="-1" strike="noStrike">
                 <a:solidFill>
                   <a:srgbClr val="000000"/>
@@ -2953,8 +3112,11 @@
                 <a:spcPct val="100000"/>
               </a:lnSpc>
               <a:buNone/>
-            </a:pPr>
-            <a:fld id="{6EAF1655-8369-4712-8D64-C28892356990}" type="slidenum">
+              <a:tabLst>
+                <a:tab algn="l" pos="0"/>
+              </a:tabLst>
+            </a:pPr>
+            <a:fld id="{28F75BED-7CAD-42B7-98A2-7CEAD7EF8BD7}" type="slidenum">
               <a:rPr b="0" lang="en-US" sz="1300" spc="-1" strike="noStrike">
                 <a:solidFill>
                   <a:srgbClr val="000000"/>
@@ -3008,7 +3170,7 @@
         <p:spPr>
           <a:xfrm>
             <a:off x="1257480" y="720720"/>
-            <a:ext cx="4799520" cy="3599280"/>
+            <a:ext cx="4799160" cy="3598920"/>
           </a:xfrm>
           <a:prstGeom prst="rect">
             <a:avLst/>
@@ -3031,7 +3193,7 @@
         <p:spPr>
           <a:xfrm>
             <a:off x="731880" y="4560840"/>
-            <a:ext cx="5850360" cy="4318560"/>
+            <a:ext cx="5850000" cy="4318200"/>
           </a:xfrm>
           <a:prstGeom prst="rect">
             <a:avLst/>
@@ -3071,7 +3233,7 @@
         <p:spPr>
           <a:xfrm>
             <a:off x="4143240" y="0"/>
-            <a:ext cx="3169080" cy="478440"/>
+            <a:ext cx="3168720" cy="478080"/>
           </a:xfrm>
           <a:prstGeom prst="rect">
             <a:avLst/>
@@ -3091,6 +3253,9 @@
                 <a:spcPct val="100000"/>
               </a:lnSpc>
               <a:buNone/>
+              <a:tabLst>
+                <a:tab algn="l" pos="0"/>
+              </a:tabLst>
               <a:defRPr b="0" lang="en-US" sz="1300" spc="-1" strike="noStrike">
                 <a:solidFill>
                   <a:srgbClr val="000000"/>
@@ -3106,6 +3271,9 @@
                 <a:spcPct val="100000"/>
               </a:lnSpc>
               <a:buNone/>
+              <a:tabLst>
+                <a:tab algn="l" pos="0"/>
+              </a:tabLst>
             </a:pPr>
             <a:r>
               <a:rPr b="0" lang="en-US" sz="1300" spc="-1" strike="noStrike">
@@ -3139,7 +3307,7 @@
         <p:spPr>
           <a:xfrm>
             <a:off x="0" y="9120240"/>
-            <a:ext cx="3169080" cy="478440"/>
+            <a:ext cx="3168720" cy="478080"/>
           </a:xfrm>
           <a:prstGeom prst="rect">
             <a:avLst/>
@@ -3159,6 +3327,9 @@
                 <a:spcPct val="100000"/>
               </a:lnSpc>
               <a:buNone/>
+              <a:tabLst>
+                <a:tab algn="l" pos="0"/>
+              </a:tabLst>
               <a:defRPr b="0" lang="en-US" sz="1300" spc="-1" strike="noStrike">
                 <a:solidFill>
                   <a:srgbClr val="000000"/>
@@ -3174,6 +3345,9 @@
                 <a:spcPct val="100000"/>
               </a:lnSpc>
               <a:buNone/>
+              <a:tabLst>
+                <a:tab algn="l" pos="0"/>
+              </a:tabLst>
             </a:pPr>
             <a:r>
               <a:rPr b="0" lang="en-US" sz="1300" spc="-1" strike="noStrike">
@@ -3207,7 +3381,7 @@
         <p:spPr>
           <a:xfrm>
             <a:off x="4143240" y="9120240"/>
-            <a:ext cx="3169080" cy="478440"/>
+            <a:ext cx="3168720" cy="478080"/>
           </a:xfrm>
           <a:prstGeom prst="rect">
             <a:avLst/>
@@ -3227,6 +3401,9 @@
                 <a:spcPct val="100000"/>
               </a:lnSpc>
               <a:buNone/>
+              <a:tabLst>
+                <a:tab algn="l" pos="0"/>
+              </a:tabLst>
               <a:defRPr b="0" lang="en-US" sz="1300" spc="-1" strike="noStrike">
                 <a:solidFill>
                   <a:srgbClr val="000000"/>
@@ -3242,8 +3419,11 @@
                 <a:spcPct val="100000"/>
               </a:lnSpc>
               <a:buNone/>
-            </a:pPr>
-            <a:fld id="{DE197486-F349-47F6-B5A0-724A1EACDE35}" type="slidenum">
+              <a:tabLst>
+                <a:tab algn="l" pos="0"/>
+              </a:tabLst>
+            </a:pPr>
+            <a:fld id="{A121197C-8F27-4EE9-BAF6-94F1B71FDB9A}" type="slidenum">
               <a:rPr b="0" lang="en-US" sz="1300" spc="-1" strike="noStrike">
                 <a:solidFill>
                   <a:srgbClr val="000000"/>
@@ -3297,7 +3477,7 @@
         <p:spPr>
           <a:xfrm>
             <a:off x="1257480" y="720720"/>
-            <a:ext cx="4799520" cy="3599280"/>
+            <a:ext cx="4799160" cy="3598920"/>
           </a:xfrm>
           <a:prstGeom prst="rect">
             <a:avLst/>
@@ -3320,7 +3500,7 @@
         <p:spPr>
           <a:xfrm>
             <a:off x="731880" y="4560840"/>
-            <a:ext cx="5850360" cy="4318560"/>
+            <a:ext cx="5850000" cy="4318200"/>
           </a:xfrm>
           <a:prstGeom prst="rect">
             <a:avLst/>
@@ -3360,7 +3540,7 @@
         <p:spPr>
           <a:xfrm>
             <a:off x="4143240" y="0"/>
-            <a:ext cx="3169080" cy="478440"/>
+            <a:ext cx="3168720" cy="478080"/>
           </a:xfrm>
           <a:prstGeom prst="rect">
             <a:avLst/>
@@ -3380,6 +3560,9 @@
                 <a:spcPct val="100000"/>
               </a:lnSpc>
               <a:buNone/>
+              <a:tabLst>
+                <a:tab algn="l" pos="0"/>
+              </a:tabLst>
               <a:defRPr b="0" lang="en-US" sz="1300" spc="-1" strike="noStrike">
                 <a:solidFill>
                   <a:srgbClr val="000000"/>
@@ -3395,6 +3578,9 @@
                 <a:spcPct val="100000"/>
               </a:lnSpc>
               <a:buNone/>
+              <a:tabLst>
+                <a:tab algn="l" pos="0"/>
+              </a:tabLst>
             </a:pPr>
             <a:r>
               <a:rPr b="0" lang="en-US" sz="1300" spc="-1" strike="noStrike">
@@ -3428,7 +3614,7 @@
         <p:spPr>
           <a:xfrm>
             <a:off x="0" y="9120240"/>
-            <a:ext cx="3169080" cy="478440"/>
+            <a:ext cx="3168720" cy="478080"/>
           </a:xfrm>
           <a:prstGeom prst="rect">
             <a:avLst/>
@@ -3448,6 +3634,9 @@
                 <a:spcPct val="100000"/>
               </a:lnSpc>
               <a:buNone/>
+              <a:tabLst>
+                <a:tab algn="l" pos="0"/>
+              </a:tabLst>
               <a:defRPr b="0" lang="en-US" sz="1300" spc="-1" strike="noStrike">
                 <a:solidFill>
                   <a:srgbClr val="000000"/>
@@ -3463,6 +3652,9 @@
                 <a:spcPct val="100000"/>
               </a:lnSpc>
               <a:buNone/>
+              <a:tabLst>
+                <a:tab algn="l" pos="0"/>
+              </a:tabLst>
             </a:pPr>
             <a:r>
               <a:rPr b="0" lang="en-US" sz="1300" spc="-1" strike="noStrike">
@@ -3496,7 +3688,7 @@
         <p:spPr>
           <a:xfrm>
             <a:off x="4143240" y="9120240"/>
-            <a:ext cx="3169080" cy="478440"/>
+            <a:ext cx="3168720" cy="478080"/>
           </a:xfrm>
           <a:prstGeom prst="rect">
             <a:avLst/>
@@ -3516,6 +3708,9 @@
                 <a:spcPct val="100000"/>
               </a:lnSpc>
               <a:buNone/>
+              <a:tabLst>
+                <a:tab algn="l" pos="0"/>
+              </a:tabLst>
               <a:defRPr b="0" lang="en-US" sz="1300" spc="-1" strike="noStrike">
                 <a:solidFill>
                   <a:srgbClr val="000000"/>
@@ -3531,8 +3726,11 @@
                 <a:spcPct val="100000"/>
               </a:lnSpc>
               <a:buNone/>
-            </a:pPr>
-            <a:fld id="{DD9495BE-4A79-4052-A5B0-BE6CC328D999}" type="slidenum">
+              <a:tabLst>
+                <a:tab algn="l" pos="0"/>
+              </a:tabLst>
+            </a:pPr>
+            <a:fld id="{F013F086-66A9-42D0-9267-0D057D2ED0A2}" type="slidenum">
               <a:rPr b="0" lang="en-US" sz="1300" spc="-1" strike="noStrike">
                 <a:solidFill>
                   <a:srgbClr val="000000"/>
@@ -3586,7 +3784,7 @@
         <p:spPr>
           <a:xfrm>
             <a:off x="1257480" y="720720"/>
-            <a:ext cx="4799520" cy="3599280"/>
+            <a:ext cx="4799160" cy="3598920"/>
           </a:xfrm>
           <a:prstGeom prst="rect">
             <a:avLst/>
@@ -3609,7 +3807,7 @@
         <p:spPr>
           <a:xfrm>
             <a:off x="731880" y="4560840"/>
-            <a:ext cx="5850360" cy="4318560"/>
+            <a:ext cx="5850000" cy="4318200"/>
           </a:xfrm>
           <a:prstGeom prst="rect">
             <a:avLst/>
@@ -3649,7 +3847,7 @@
         <p:spPr>
           <a:xfrm>
             <a:off x="4143240" y="0"/>
-            <a:ext cx="3169080" cy="478440"/>
+            <a:ext cx="3168720" cy="478080"/>
           </a:xfrm>
           <a:prstGeom prst="rect">
             <a:avLst/>
@@ -3669,6 +3867,9 @@
                 <a:spcPct val="100000"/>
               </a:lnSpc>
               <a:buNone/>
+              <a:tabLst>
+                <a:tab algn="l" pos="0"/>
+              </a:tabLst>
               <a:defRPr b="0" lang="en-US" sz="1300" spc="-1" strike="noStrike">
                 <a:solidFill>
                   <a:srgbClr val="000000"/>
@@ -3684,6 +3885,9 @@
                 <a:spcPct val="100000"/>
               </a:lnSpc>
               <a:buNone/>
+              <a:tabLst>
+                <a:tab algn="l" pos="0"/>
+              </a:tabLst>
             </a:pPr>
             <a:r>
               <a:rPr b="0" lang="en-US" sz="1300" spc="-1" strike="noStrike">
@@ -3717,7 +3921,7 @@
         <p:spPr>
           <a:xfrm>
             <a:off x="0" y="9120240"/>
-            <a:ext cx="3169080" cy="478440"/>
+            <a:ext cx="3168720" cy="478080"/>
           </a:xfrm>
           <a:prstGeom prst="rect">
             <a:avLst/>
@@ -3737,6 +3941,9 @@
                 <a:spcPct val="100000"/>
               </a:lnSpc>
               <a:buNone/>
+              <a:tabLst>
+                <a:tab algn="l" pos="0"/>
+              </a:tabLst>
               <a:defRPr b="0" lang="en-US" sz="1300" spc="-1" strike="noStrike">
                 <a:solidFill>
                   <a:srgbClr val="000000"/>
@@ -3752,6 +3959,9 @@
                 <a:spcPct val="100000"/>
               </a:lnSpc>
               <a:buNone/>
+              <a:tabLst>
+                <a:tab algn="l" pos="0"/>
+              </a:tabLst>
             </a:pPr>
             <a:r>
               <a:rPr b="0" lang="en-US" sz="1300" spc="-1" strike="noStrike">
@@ -3785,7 +3995,7 @@
         <p:spPr>
           <a:xfrm>
             <a:off x="4143240" y="9120240"/>
-            <a:ext cx="3169080" cy="478440"/>
+            <a:ext cx="3168720" cy="478080"/>
           </a:xfrm>
           <a:prstGeom prst="rect">
             <a:avLst/>
@@ -3805,6 +4015,9 @@
                 <a:spcPct val="100000"/>
               </a:lnSpc>
               <a:buNone/>
+              <a:tabLst>
+                <a:tab algn="l" pos="0"/>
+              </a:tabLst>
               <a:defRPr b="0" lang="en-US" sz="1300" spc="-1" strike="noStrike">
                 <a:solidFill>
                   <a:srgbClr val="000000"/>
@@ -3820,8 +4033,11 @@
                 <a:spcPct val="100000"/>
               </a:lnSpc>
               <a:buNone/>
-            </a:pPr>
-            <a:fld id="{322C50C2-1043-4A47-A6EF-5519719CABE9}" type="slidenum">
+              <a:tabLst>
+                <a:tab algn="l" pos="0"/>
+              </a:tabLst>
+            </a:pPr>
+            <a:fld id="{337526A4-764C-4CF1-AC95-6D9BF37996F1}" type="slidenum">
               <a:rPr b="0" lang="en-US" sz="1300" spc="-1" strike="noStrike">
                 <a:solidFill>
                   <a:srgbClr val="000000"/>
@@ -3875,7 +4091,7 @@
         <p:spPr>
           <a:xfrm>
             <a:off x="1257480" y="720720"/>
-            <a:ext cx="4799520" cy="3599280"/>
+            <a:ext cx="4799160" cy="3598920"/>
           </a:xfrm>
           <a:prstGeom prst="rect">
             <a:avLst/>
@@ -3898,7 +4114,7 @@
         <p:spPr>
           <a:xfrm>
             <a:off x="731880" y="4560840"/>
-            <a:ext cx="5850360" cy="4318560"/>
+            <a:ext cx="5850000" cy="4318200"/>
           </a:xfrm>
           <a:prstGeom prst="rect">
             <a:avLst/>
@@ -3938,7 +4154,7 @@
         <p:spPr>
           <a:xfrm>
             <a:off x="4143240" y="0"/>
-            <a:ext cx="3169080" cy="478440"/>
+            <a:ext cx="3168720" cy="478080"/>
           </a:xfrm>
           <a:prstGeom prst="rect">
             <a:avLst/>
@@ -3958,6 +4174,9 @@
                 <a:spcPct val="100000"/>
               </a:lnSpc>
               <a:buNone/>
+              <a:tabLst>
+                <a:tab algn="l" pos="0"/>
+              </a:tabLst>
               <a:defRPr b="0" lang="en-US" sz="1300" spc="-1" strike="noStrike">
                 <a:solidFill>
                   <a:srgbClr val="000000"/>
@@ -3973,6 +4192,9 @@
                 <a:spcPct val="100000"/>
               </a:lnSpc>
               <a:buNone/>
+              <a:tabLst>
+                <a:tab algn="l" pos="0"/>
+              </a:tabLst>
             </a:pPr>
             <a:r>
               <a:rPr b="0" lang="en-US" sz="1300" spc="-1" strike="noStrike">
@@ -4006,7 +4228,7 @@
         <p:spPr>
           <a:xfrm>
             <a:off x="0" y="9120240"/>
-            <a:ext cx="3169080" cy="478440"/>
+            <a:ext cx="3168720" cy="478080"/>
           </a:xfrm>
           <a:prstGeom prst="rect">
             <a:avLst/>
@@ -4026,6 +4248,9 @@
                 <a:spcPct val="100000"/>
               </a:lnSpc>
               <a:buNone/>
+              <a:tabLst>
+                <a:tab algn="l" pos="0"/>
+              </a:tabLst>
               <a:defRPr b="0" lang="en-US" sz="1300" spc="-1" strike="noStrike">
                 <a:solidFill>
                   <a:srgbClr val="000000"/>
@@ -4041,6 +4266,9 @@
                 <a:spcPct val="100000"/>
               </a:lnSpc>
               <a:buNone/>
+              <a:tabLst>
+                <a:tab algn="l" pos="0"/>
+              </a:tabLst>
             </a:pPr>
             <a:r>
               <a:rPr b="0" lang="en-US" sz="1300" spc="-1" strike="noStrike">
@@ -4074,7 +4302,7 @@
         <p:spPr>
           <a:xfrm>
             <a:off x="4143240" y="9120240"/>
-            <a:ext cx="3169080" cy="478440"/>
+            <a:ext cx="3168720" cy="478080"/>
           </a:xfrm>
           <a:prstGeom prst="rect">
             <a:avLst/>
@@ -4094,6 +4322,9 @@
                 <a:spcPct val="100000"/>
               </a:lnSpc>
               <a:buNone/>
+              <a:tabLst>
+                <a:tab algn="l" pos="0"/>
+              </a:tabLst>
               <a:defRPr b="0" lang="en-US" sz="1300" spc="-1" strike="noStrike">
                 <a:solidFill>
                   <a:srgbClr val="000000"/>
@@ -4109,8 +4340,11 @@
                 <a:spcPct val="100000"/>
               </a:lnSpc>
               <a:buNone/>
-            </a:pPr>
-            <a:fld id="{3AC1B4D4-62C2-41EA-B93D-CACF3DECBBC8}" type="slidenum">
+              <a:tabLst>
+                <a:tab algn="l" pos="0"/>
+              </a:tabLst>
+            </a:pPr>
+            <a:fld id="{6F6C64A3-50C0-435D-A97C-FB740F85191F}" type="slidenum">
               <a:rPr b="0" lang="en-US" sz="1300" spc="-1" strike="noStrike">
                 <a:solidFill>
                   <a:srgbClr val="000000"/>
@@ -9489,7 +9723,7 @@
         <p:spPr>
           <a:xfrm>
             <a:off x="1143000" y="6419880"/>
-            <a:ext cx="7999920" cy="437040"/>
+            <a:ext cx="7999560" cy="436680"/>
           </a:xfrm>
           <a:prstGeom prst="rect">
             <a:avLst/>
@@ -9512,11 +9746,17 @@
             <a:noAutofit/>
           </a:bodyPr>
           <a:p>
+            <a:pPr>
+              <a:lnSpc>
+                <a:spcPct val="100000"/>
+              </a:lnSpc>
+            </a:pPr>
             <a:endParaRPr b="0" lang="en-US" sz="1800" spc="-1" strike="noStrike">
               <a:solidFill>
                 <a:srgbClr val="000000"/>
               </a:solidFill>
               <a:latin typeface="Arial"/>
+              <a:ea typeface="DejaVu Sans"/>
             </a:endParaRPr>
           </a:p>
         </p:txBody>
@@ -9558,6 +9798,7 @@
                 <a:srgbClr val="000000"/>
               </a:solidFill>
               <a:latin typeface="Arial"/>
+              <a:ea typeface="DejaVu Sans"/>
             </a:endParaRPr>
           </a:p>
         </p:txBody>
@@ -9571,7 +9812,7 @@
         <p:spPr>
           <a:xfrm>
             <a:off x="0" y="6419880"/>
-            <a:ext cx="1141920" cy="437040"/>
+            <a:ext cx="1141560" cy="436680"/>
           </a:xfrm>
           <a:prstGeom prst="rect">
             <a:avLst/>
@@ -9594,11 +9835,17 @@
             <a:noAutofit/>
           </a:bodyPr>
           <a:p>
+            <a:pPr>
+              <a:lnSpc>
+                <a:spcPct val="100000"/>
+              </a:lnSpc>
+            </a:pPr>
             <a:endParaRPr b="0" lang="en-US" sz="1800" spc="-1" strike="noStrike">
               <a:solidFill>
                 <a:srgbClr val="ffffff"/>
               </a:solidFill>
               <a:latin typeface="Arial"/>
+              <a:ea typeface="DejaVu Sans"/>
             </a:endParaRPr>
           </a:p>
         </p:txBody>
@@ -9616,7 +9863,7 @@
         <p:spPr>
           <a:xfrm>
             <a:off x="76320" y="6477120"/>
-            <a:ext cx="989640" cy="359280"/>
+            <a:ext cx="989280" cy="358920"/>
           </a:xfrm>
           <a:prstGeom prst="rect">
             <a:avLst/>
@@ -9635,7 +9882,7 @@
         <p:spPr>
           <a:xfrm>
             <a:off x="0" y="376200"/>
-            <a:ext cx="9001800" cy="1054800"/>
+            <a:ext cx="9001440" cy="1054440"/>
           </a:xfrm>
           <a:prstGeom prst="rect">
             <a:avLst/>
@@ -9658,11 +9905,17 @@
             <a:noAutofit/>
           </a:bodyPr>
           <a:p>
+            <a:pPr>
+              <a:lnSpc>
+                <a:spcPct val="100000"/>
+              </a:lnSpc>
+            </a:pPr>
             <a:endParaRPr b="0" lang="en-US" sz="1800" spc="-1" strike="noStrike">
               <a:solidFill>
                 <a:srgbClr val="000000"/>
               </a:solidFill>
               <a:latin typeface="Arial"/>
+              <a:ea typeface="DejaVu Sans"/>
             </a:endParaRPr>
           </a:p>
         </p:txBody>
@@ -9676,7 +9929,7 @@
         <p:spPr>
           <a:xfrm>
             <a:off x="990720" y="380880"/>
-            <a:ext cx="2818440" cy="1054800"/>
+            <a:ext cx="2818080" cy="1054440"/>
           </a:xfrm>
           <a:prstGeom prst="rect">
             <a:avLst/>
@@ -9699,11 +9952,17 @@
             <a:noAutofit/>
           </a:bodyPr>
           <a:p>
+            <a:pPr>
+              <a:lnSpc>
+                <a:spcPct val="100000"/>
+              </a:lnSpc>
+            </a:pPr>
             <a:endParaRPr b="0" lang="en-US" sz="1800" spc="-1" strike="noStrike">
               <a:solidFill>
                 <a:srgbClr val="ffffff"/>
               </a:solidFill>
               <a:latin typeface="Arial"/>
+              <a:ea typeface="DejaVu Sans"/>
             </a:endParaRPr>
           </a:p>
         </p:txBody>
@@ -9717,7 +9976,7 @@
         <p:spPr>
           <a:xfrm>
             <a:off x="2298600" y="2928960"/>
-            <a:ext cx="6702840" cy="3491280"/>
+            <a:ext cx="6702480" cy="3490920"/>
           </a:xfrm>
           <a:prstGeom prst="rect">
             <a:avLst/>
@@ -9740,11 +9999,17 @@
             <a:noAutofit/>
           </a:bodyPr>
           <a:p>
+            <a:pPr>
+              <a:lnSpc>
+                <a:spcPct val="100000"/>
+              </a:lnSpc>
+            </a:pPr>
             <a:endParaRPr b="0" lang="en-US" sz="1800" spc="-1" strike="noStrike">
               <a:solidFill>
                 <a:srgbClr val="000000"/>
               </a:solidFill>
               <a:latin typeface="Arial"/>
+              <a:ea typeface="DejaVu Sans"/>
             </a:endParaRPr>
           </a:p>
         </p:txBody>
@@ -9786,6 +10051,7 @@
                 <a:srgbClr val="000000"/>
               </a:solidFill>
               <a:latin typeface="Arial"/>
+              <a:ea typeface="DejaVu Sans"/>
             </a:endParaRPr>
           </a:p>
         </p:txBody>
@@ -9803,7 +10069,7 @@
         <p:spPr>
           <a:xfrm>
             <a:off x="1085760" y="428040"/>
-            <a:ext cx="2551680" cy="927000"/>
+            <a:ext cx="2551320" cy="926640"/>
           </a:xfrm>
           <a:prstGeom prst="rect">
             <a:avLst/>
@@ -9826,7 +10092,7 @@
         <p:spPr>
           <a:xfrm>
             <a:off x="457200" y="273600"/>
-            <a:ext cx="8228880" cy="1144440"/>
+            <a:ext cx="8229240" cy="1144800"/>
           </a:xfrm>
           <a:prstGeom prst="rect">
             <a:avLst/>
@@ -9841,11 +10107,11 @@
             <a:noAutofit/>
           </a:bodyPr>
           <a:p>
-            <a:pPr indent="0">
+            <a:pPr indent="0" algn="ctr">
               <a:buNone/>
             </a:pPr>
             <a:r>
-              <a:rPr b="0" lang="en-US" sz="1800" spc="-1" strike="noStrike">
+              <a:rPr b="0" lang="en-US" sz="4400" spc="-1" strike="noStrike">
                 <a:solidFill>
                   <a:srgbClr val="000000"/>
                 </a:solidFill>
@@ -9853,7 +10119,7 @@
               </a:rPr>
               <a:t>Click to edit the title text format</a:t>
             </a:r>
-            <a:endParaRPr b="0" lang="en-US" sz="1800" spc="-1" strike="noStrike">
+            <a:endParaRPr b="0" lang="en-US" sz="4400" spc="-1" strike="noStrike">
               <a:solidFill>
                 <a:srgbClr val="000000"/>
               </a:solidFill>
@@ -9875,7 +10141,7 @@
         <p:spPr>
           <a:xfrm>
             <a:off x="457200" y="1604520"/>
-            <a:ext cx="8228880" cy="3976920"/>
+            <a:ext cx="8229240" cy="3977280"/>
           </a:xfrm>
           <a:prstGeom prst="rect">
             <a:avLst/>
@@ -9902,7 +10168,7 @@
               <a:buChar char=""/>
             </a:pPr>
             <a:r>
-              <a:rPr b="0" lang="en-US" sz="1800" spc="-1" strike="noStrike">
+              <a:rPr b="0" lang="en-US" sz="3200" spc="-1" strike="noStrike">
                 <a:solidFill>
                   <a:srgbClr val="000000"/>
                 </a:solidFill>
@@ -9910,7 +10176,7 @@
               </a:rPr>
               <a:t>Click to edit the outline text format</a:t>
             </a:r>
-            <a:endParaRPr b="0" lang="en-US" sz="1800" spc="-1" strike="noStrike">
+            <a:endParaRPr b="0" lang="en-US" sz="3200" spc="-1" strike="noStrike">
               <a:solidFill>
                 <a:srgbClr val="000000"/>
               </a:solidFill>
@@ -9930,7 +10196,7 @@
               <a:buChar char=""/>
             </a:pPr>
             <a:r>
-              <a:rPr b="0" lang="en-US" sz="1800" spc="-1" strike="noStrike">
+              <a:rPr b="0" lang="en-US" sz="2800" spc="-1" strike="noStrike">
                 <a:solidFill>
                   <a:srgbClr val="000000"/>
                 </a:solidFill>
@@ -9938,7 +10204,7 @@
               </a:rPr>
               <a:t>Second Outline Level</a:t>
             </a:r>
-            <a:endParaRPr b="0" lang="en-US" sz="1800" spc="-1" strike="noStrike">
+            <a:endParaRPr b="0" lang="en-US" sz="2800" spc="-1" strike="noStrike">
               <a:solidFill>
                 <a:srgbClr val="000000"/>
               </a:solidFill>
@@ -9958,7 +10224,7 @@
               <a:buChar char=""/>
             </a:pPr>
             <a:r>
-              <a:rPr b="0" lang="en-US" sz="1800" spc="-1" strike="noStrike">
+              <a:rPr b="0" lang="en-US" sz="2400" spc="-1" strike="noStrike">
                 <a:solidFill>
                   <a:srgbClr val="000000"/>
                 </a:solidFill>
@@ -9966,7 +10232,7 @@
               </a:rPr>
               <a:t>Third Outline Level</a:t>
             </a:r>
-            <a:endParaRPr b="0" lang="en-US" sz="1800" spc="-1" strike="noStrike">
+            <a:endParaRPr b="0" lang="en-US" sz="2400" spc="-1" strike="noStrike">
               <a:solidFill>
                 <a:srgbClr val="000000"/>
               </a:solidFill>
@@ -9986,7 +10252,7 @@
               <a:buChar char=""/>
             </a:pPr>
             <a:r>
-              <a:rPr b="0" lang="en-US" sz="1800" spc="-1" strike="noStrike">
+              <a:rPr b="0" lang="en-US" sz="2000" spc="-1" strike="noStrike">
                 <a:solidFill>
                   <a:srgbClr val="000000"/>
                 </a:solidFill>
@@ -9994,7 +10260,7 @@
               </a:rPr>
               <a:t>Fourth Outline Level</a:t>
             </a:r>
-            <a:endParaRPr b="0" lang="en-US" sz="1800" spc="-1" strike="noStrike">
+            <a:endParaRPr b="0" lang="en-US" sz="2000" spc="-1" strike="noStrike">
               <a:solidFill>
                 <a:srgbClr val="000000"/>
               </a:solidFill>
@@ -10014,7 +10280,7 @@
               <a:buChar char=""/>
             </a:pPr>
             <a:r>
-              <a:rPr b="0" lang="en-US" sz="1800" spc="-1" strike="noStrike">
+              <a:rPr b="0" lang="en-US" sz="2000" spc="-1" strike="noStrike">
                 <a:solidFill>
                   <a:srgbClr val="000000"/>
                 </a:solidFill>
@@ -10022,7 +10288,7 @@
               </a:rPr>
               <a:t>Fifth Outline Level</a:t>
             </a:r>
-            <a:endParaRPr b="0" lang="en-US" sz="1800" spc="-1" strike="noStrike">
+            <a:endParaRPr b="0" lang="en-US" sz="2000" spc="-1" strike="noStrike">
               <a:solidFill>
                 <a:srgbClr val="000000"/>
               </a:solidFill>
@@ -10042,7 +10308,7 @@
               <a:buChar char=""/>
             </a:pPr>
             <a:r>
-              <a:rPr b="0" lang="en-US" sz="1800" spc="-1" strike="noStrike">
+              <a:rPr b="0" lang="en-US" sz="2000" spc="-1" strike="noStrike">
                 <a:solidFill>
                   <a:srgbClr val="000000"/>
                 </a:solidFill>
@@ -10050,7 +10316,7 @@
               </a:rPr>
               <a:t>Sixth Outline Level</a:t>
             </a:r>
-            <a:endParaRPr b="0" lang="en-US" sz="1800" spc="-1" strike="noStrike">
+            <a:endParaRPr b="0" lang="en-US" sz="2000" spc="-1" strike="noStrike">
               <a:solidFill>
                 <a:srgbClr val="000000"/>
               </a:solidFill>
@@ -10070,7 +10336,7 @@
               <a:buChar char=""/>
             </a:pPr>
             <a:r>
-              <a:rPr b="0" lang="en-US" sz="1800" spc="-1" strike="noStrike">
+              <a:rPr b="0" lang="en-US" sz="2000" spc="-1" strike="noStrike">
                 <a:solidFill>
                   <a:srgbClr val="000000"/>
                 </a:solidFill>
@@ -10078,7 +10344,7 @@
               </a:rPr>
               <a:t>Seventh Outline Level</a:t>
             </a:r>
-            <a:endParaRPr b="0" lang="en-US" sz="1800" spc="-1" strike="noStrike">
+            <a:endParaRPr b="0" lang="en-US" sz="2000" spc="-1" strike="noStrike">
               <a:solidFill>
                 <a:srgbClr val="000000"/>
               </a:solidFill>
@@ -10140,7 +10406,7 @@
         <p:spPr>
           <a:xfrm>
             <a:off x="1143000" y="6419880"/>
-            <a:ext cx="7999920" cy="437040"/>
+            <a:ext cx="7999560" cy="436680"/>
           </a:xfrm>
           <a:prstGeom prst="rect">
             <a:avLst/>
@@ -10163,11 +10429,17 @@
             <a:noAutofit/>
           </a:bodyPr>
           <a:p>
+            <a:pPr>
+              <a:lnSpc>
+                <a:spcPct val="100000"/>
+              </a:lnSpc>
+            </a:pPr>
             <a:endParaRPr b="0" lang="en-US" sz="1800" spc="-1" strike="noStrike">
               <a:solidFill>
                 <a:srgbClr val="000000"/>
               </a:solidFill>
               <a:latin typeface="Arial"/>
+              <a:ea typeface="DejaVu Sans"/>
             </a:endParaRPr>
           </a:p>
         </p:txBody>
@@ -10209,6 +10481,7 @@
                 <a:srgbClr val="000000"/>
               </a:solidFill>
               <a:latin typeface="Arial"/>
+              <a:ea typeface="DejaVu Sans"/>
             </a:endParaRPr>
           </a:p>
         </p:txBody>
@@ -10222,7 +10495,7 @@
         <p:spPr>
           <a:xfrm>
             <a:off x="0" y="6419880"/>
-            <a:ext cx="1141920" cy="437040"/>
+            <a:ext cx="1141560" cy="436680"/>
           </a:xfrm>
           <a:prstGeom prst="rect">
             <a:avLst/>
@@ -10245,11 +10518,17 @@
             <a:noAutofit/>
           </a:bodyPr>
           <a:p>
+            <a:pPr>
+              <a:lnSpc>
+                <a:spcPct val="100000"/>
+              </a:lnSpc>
+            </a:pPr>
             <a:endParaRPr b="0" lang="en-US" sz="1800" spc="-1" strike="noStrike">
               <a:solidFill>
                 <a:srgbClr val="ffffff"/>
               </a:solidFill>
               <a:latin typeface="Arial"/>
+              <a:ea typeface="DejaVu Sans"/>
             </a:endParaRPr>
           </a:p>
         </p:txBody>
@@ -10267,7 +10546,7 @@
         <p:spPr>
           <a:xfrm>
             <a:off x="76320" y="6477120"/>
-            <a:ext cx="989640" cy="359280"/>
+            <a:ext cx="989280" cy="358920"/>
           </a:xfrm>
           <a:prstGeom prst="rect">
             <a:avLst/>
@@ -10290,7 +10569,7 @@
         <p:spPr>
           <a:xfrm>
             <a:off x="76320" y="6477120"/>
-            <a:ext cx="989640" cy="359280"/>
+            <a:ext cx="989280" cy="358920"/>
           </a:xfrm>
           <a:prstGeom prst="rect">
             <a:avLst/>
@@ -10627,7 +10906,7 @@
         <p:spPr>
           <a:xfrm>
             <a:off x="1143000" y="6419880"/>
-            <a:ext cx="7999920" cy="437040"/>
+            <a:ext cx="7999560" cy="436680"/>
           </a:xfrm>
           <a:prstGeom prst="rect">
             <a:avLst/>
@@ -10650,11 +10929,17 @@
             <a:noAutofit/>
           </a:bodyPr>
           <a:p>
+            <a:pPr>
+              <a:lnSpc>
+                <a:spcPct val="100000"/>
+              </a:lnSpc>
+            </a:pPr>
             <a:endParaRPr b="0" lang="en-US" sz="1800" spc="-1" strike="noStrike">
               <a:solidFill>
                 <a:srgbClr val="000000"/>
               </a:solidFill>
               <a:latin typeface="Arial"/>
+              <a:ea typeface="DejaVu Sans"/>
             </a:endParaRPr>
           </a:p>
         </p:txBody>
@@ -10696,6 +10981,7 @@
                 <a:srgbClr val="000000"/>
               </a:solidFill>
               <a:latin typeface="Arial"/>
+              <a:ea typeface="DejaVu Sans"/>
             </a:endParaRPr>
           </a:p>
         </p:txBody>
@@ -10709,7 +10995,7 @@
         <p:spPr>
           <a:xfrm>
             <a:off x="0" y="6419880"/>
-            <a:ext cx="1141920" cy="437040"/>
+            <a:ext cx="1141560" cy="436680"/>
           </a:xfrm>
           <a:prstGeom prst="rect">
             <a:avLst/>
@@ -10732,11 +11018,17 @@
             <a:noAutofit/>
           </a:bodyPr>
           <a:p>
+            <a:pPr>
+              <a:lnSpc>
+                <a:spcPct val="100000"/>
+              </a:lnSpc>
+            </a:pPr>
             <a:endParaRPr b="0" lang="en-US" sz="1800" spc="-1" strike="noStrike">
               <a:solidFill>
                 <a:srgbClr val="ffffff"/>
               </a:solidFill>
               <a:latin typeface="Arial"/>
+              <a:ea typeface="DejaVu Sans"/>
             </a:endParaRPr>
           </a:p>
         </p:txBody>
@@ -10754,7 +11046,7 @@
         <p:spPr>
           <a:xfrm>
             <a:off x="76320" y="6477120"/>
-            <a:ext cx="989640" cy="359280"/>
+            <a:ext cx="989280" cy="358920"/>
           </a:xfrm>
           <a:prstGeom prst="rect">
             <a:avLst/>
@@ -10777,7 +11069,7 @@
         <p:spPr>
           <a:xfrm>
             <a:off x="76320" y="6477120"/>
-            <a:ext cx="989640" cy="359280"/>
+            <a:ext cx="989280" cy="358920"/>
           </a:xfrm>
           <a:prstGeom prst="rect">
             <a:avLst/>
@@ -11111,7 +11403,7 @@
         <p:spPr>
           <a:xfrm>
             <a:off x="3427560" y="2112480"/>
-            <a:ext cx="5548680" cy="583560"/>
+            <a:ext cx="5548320" cy="583200"/>
           </a:xfrm>
           <a:prstGeom prst="rect">
             <a:avLst/>
@@ -11131,6 +11423,9 @@
                 <a:spcPct val="100000"/>
               </a:lnSpc>
               <a:buNone/>
+              <a:tabLst>
+                <a:tab algn="l" pos="0"/>
+              </a:tabLst>
             </a:pPr>
             <a:r>
               <a:rPr b="1" lang="en-US" sz="3200" spc="-1" strike="noStrike">
@@ -11163,7 +11458,7 @@
         <p:spPr>
           <a:xfrm>
             <a:off x="3427560" y="3025800"/>
-            <a:ext cx="5548680" cy="700560"/>
+            <a:ext cx="5548320" cy="700200"/>
           </a:xfrm>
           <a:prstGeom prst="rect">
             <a:avLst/>
@@ -11221,7 +11516,7 @@
         <p:spPr>
           <a:xfrm>
             <a:off x="7315200" y="6095880"/>
-            <a:ext cx="1599120" cy="227520"/>
+            <a:ext cx="1598760" cy="227160"/>
           </a:xfrm>
           <a:prstGeom prst="rect">
             <a:avLst/>
@@ -11241,6 +11536,9 @@
                 <a:spcPct val="100000"/>
               </a:lnSpc>
               <a:buNone/>
+              <a:tabLst>
+                <a:tab algn="l" pos="0"/>
+              </a:tabLst>
               <a:defRPr b="0" lang="en-US" sz="1200" spc="-1" strike="noStrike">
                 <a:solidFill>
                   <a:srgbClr val="000000"/>
@@ -11255,6 +11553,9 @@
                 <a:spcPct val="100000"/>
               </a:lnSpc>
               <a:buNone/>
+              <a:tabLst>
+                <a:tab algn="l" pos="0"/>
+              </a:tabLst>
             </a:pPr>
             <a:r>
               <a:rPr b="0" lang="en-US" sz="1200" spc="-1" strike="noStrike">
@@ -11287,7 +11588,7 @@
         <p:spPr>
           <a:xfrm>
             <a:off x="2362320" y="6095880"/>
-            <a:ext cx="4799520" cy="243360"/>
+            <a:ext cx="4799160" cy="243000"/>
           </a:xfrm>
           <a:prstGeom prst="rect">
             <a:avLst/>
@@ -11307,6 +11608,9 @@
                 <a:spcPct val="100000"/>
               </a:lnSpc>
               <a:buNone/>
+              <a:tabLst>
+                <a:tab algn="l" pos="0"/>
+              </a:tabLst>
               <a:defRPr b="0" lang="en-US" sz="1200" spc="-1" strike="noStrike">
                 <a:solidFill>
                   <a:srgbClr val="000000"/>
@@ -11321,6 +11625,9 @@
                 <a:spcPct val="100000"/>
               </a:lnSpc>
               <a:buNone/>
+              <a:tabLst>
+                <a:tab algn="l" pos="0"/>
+              </a:tabLst>
             </a:pPr>
             <a:r>
               <a:rPr b="0" lang="en-US" sz="1200" spc="-1" strike="noStrike">
@@ -11353,7 +11660,7 @@
         <p:spPr>
           <a:xfrm>
             <a:off x="8305920" y="6537240"/>
-            <a:ext cx="837000" cy="167040"/>
+            <a:ext cx="836640" cy="166680"/>
           </a:xfrm>
           <a:prstGeom prst="rect">
             <a:avLst/>
@@ -11373,6 +11680,9 @@
                 <a:spcPct val="100000"/>
               </a:lnSpc>
               <a:buNone/>
+              <a:tabLst>
+                <a:tab algn="l" pos="0"/>
+              </a:tabLst>
               <a:defRPr b="0" lang="en-US" sz="1400" spc="-1" strike="noStrike">
                 <a:solidFill>
                   <a:srgbClr val="000000"/>
@@ -11387,8 +11697,11 @@
                 <a:spcPct val="100000"/>
               </a:lnSpc>
               <a:buNone/>
-            </a:pPr>
-            <a:fld id="{52543A6B-4D7E-4F35-94F1-9D82BC1E0260}" type="slidenum">
+              <a:tabLst>
+                <a:tab algn="l" pos="0"/>
+              </a:tabLst>
+            </a:pPr>
+            <a:fld id="{6E5BC649-3646-4CCB-BEB2-622C993D632A}" type="slidenum">
               <a:rPr b="0" lang="en-US" sz="1400" spc="-1" strike="noStrike">
                 <a:solidFill>
                   <a:srgbClr val="000000"/>
@@ -11449,7 +11762,7 @@
         <p:spPr>
           <a:xfrm>
             <a:off x="338040" y="318960"/>
-            <a:ext cx="8453880" cy="578520"/>
+            <a:ext cx="8453520" cy="578160"/>
           </a:xfrm>
           <a:prstGeom prst="rect">
             <a:avLst/>
@@ -11469,6 +11782,9 @@
                 <a:spcPct val="100000"/>
               </a:lnSpc>
               <a:buNone/>
+              <a:tabLst>
+                <a:tab algn="l" pos="0"/>
+              </a:tabLst>
             </a:pPr>
             <a:r>
               <a:rPr b="0" lang="en-US" sz="3200" spc="-1" strike="noStrike">
@@ -11501,7 +11817,7 @@
         <p:spPr>
           <a:xfrm>
             <a:off x="338040" y="1065240"/>
-            <a:ext cx="8348760" cy="3278160"/>
+            <a:ext cx="8348400" cy="3277800"/>
           </a:xfrm>
           <a:prstGeom prst="rect">
             <a:avLst/>
@@ -11558,7 +11874,7 @@
                 <a:srgbClr val="000000"/>
               </a:buClr>
               <a:buSzPct val="75000"/>
-              <a:buFont typeface="Symbol" charset="2"/>
+              <a:buFont typeface="Symbol"/>
               <a:buChar char=""/>
             </a:pPr>
             <a:r>
@@ -11589,7 +11905,7 @@
                 <a:srgbClr val="000000"/>
               </a:buClr>
               <a:buSzPct val="75000"/>
-              <a:buFont typeface="Symbol" charset="2"/>
+              <a:buFont typeface="Symbol"/>
               <a:buChar char=""/>
             </a:pPr>
             <a:r>
@@ -11651,7 +11967,7 @@
                 <a:srgbClr val="000000"/>
               </a:buClr>
               <a:buSzPct val="75000"/>
-              <a:buFont typeface="Symbol" charset="2"/>
+              <a:buFont typeface="Symbol"/>
               <a:buChar char=""/>
             </a:pPr>
             <a:r>
@@ -11716,7 +12032,7 @@
         <p:spPr>
           <a:xfrm>
             <a:off x="1371600" y="6553080"/>
-            <a:ext cx="4647240" cy="167040"/>
+            <a:ext cx="4646880" cy="166680"/>
           </a:xfrm>
           <a:prstGeom prst="rect">
             <a:avLst/>
@@ -11736,6 +12052,9 @@
                 <a:spcPct val="100000"/>
               </a:lnSpc>
               <a:buNone/>
+              <a:tabLst>
+                <a:tab algn="l" pos="0"/>
+              </a:tabLst>
               <a:defRPr b="0" lang="en-US" sz="1200" spc="-1" strike="noStrike">
                 <a:solidFill>
                   <a:srgbClr val="000000"/>
@@ -11750,6 +12069,9 @@
                 <a:spcPct val="100000"/>
               </a:lnSpc>
               <a:buNone/>
+              <a:tabLst>
+                <a:tab algn="l" pos="0"/>
+              </a:tabLst>
             </a:pPr>
             <a:r>
               <a:rPr b="0" lang="en-US" sz="1200" spc="-1" strike="noStrike">
@@ -11782,7 +12104,7 @@
         <p:spPr>
           <a:xfrm>
             <a:off x="6172200" y="6534000"/>
-            <a:ext cx="1675440" cy="170280"/>
+            <a:ext cx="1675080" cy="169920"/>
           </a:xfrm>
           <a:prstGeom prst="rect">
             <a:avLst/>
@@ -11802,6 +12124,9 @@
                 <a:spcPct val="100000"/>
               </a:lnSpc>
               <a:buNone/>
+              <a:tabLst>
+                <a:tab algn="l" pos="0"/>
+              </a:tabLst>
               <a:defRPr b="0" lang="en-US" sz="1200" spc="-1" strike="noStrike">
                 <a:solidFill>
                   <a:srgbClr val="000000"/>
@@ -11816,6 +12141,9 @@
                 <a:spcPct val="100000"/>
               </a:lnSpc>
               <a:buNone/>
+              <a:tabLst>
+                <a:tab algn="l" pos="0"/>
+              </a:tabLst>
             </a:pPr>
             <a:r>
               <a:rPr b="0" lang="en-US" sz="1200" spc="-1" strike="noStrike">
@@ -11848,7 +12176,7 @@
         <p:spPr>
           <a:xfrm>
             <a:off x="8153280" y="6537240"/>
-            <a:ext cx="837000" cy="167040"/>
+            <a:ext cx="836640" cy="166680"/>
           </a:xfrm>
           <a:prstGeom prst="rect">
             <a:avLst/>
@@ -11868,6 +12196,9 @@
                 <a:spcPct val="100000"/>
               </a:lnSpc>
               <a:buNone/>
+              <a:tabLst>
+                <a:tab algn="l" pos="0"/>
+              </a:tabLst>
               <a:defRPr b="0" lang="en-US" sz="1400" spc="-1" strike="noStrike">
                 <a:solidFill>
                   <a:srgbClr val="000000"/>
@@ -11882,8 +12213,11 @@
                 <a:spcPct val="100000"/>
               </a:lnSpc>
               <a:buNone/>
-            </a:pPr>
-            <a:fld id="{300529C3-03CF-40EB-BBAE-B314718DBD2D}" type="slidenum">
+              <a:tabLst>
+                <a:tab algn="l" pos="0"/>
+              </a:tabLst>
+            </a:pPr>
+            <a:fld id="{7615A7FE-0467-4E99-A0E9-64F1113BB615}" type="slidenum">
               <a:rPr b="0" lang="en-US" sz="1400" spc="-1" strike="noStrike">
                 <a:solidFill>
                   <a:srgbClr val="000000"/>
@@ -11914,7 +12248,7 @@
         <p:spPr>
           <a:xfrm>
             <a:off x="2311200" y="4132080"/>
-            <a:ext cx="4654440" cy="2103120"/>
+            <a:ext cx="4654080" cy="2102760"/>
           </a:xfrm>
           <a:prstGeom prst="rect">
             <a:avLst/>
@@ -11967,7 +12301,7 @@
         <p:spPr>
           <a:xfrm>
             <a:off x="338040" y="318960"/>
-            <a:ext cx="8453880" cy="578520"/>
+            <a:ext cx="8453520" cy="578160"/>
           </a:xfrm>
           <a:prstGeom prst="rect">
             <a:avLst/>
@@ -11987,6 +12321,9 @@
                 <a:spcPct val="100000"/>
               </a:lnSpc>
               <a:buNone/>
+              <a:tabLst>
+                <a:tab algn="l" pos="0"/>
+              </a:tabLst>
             </a:pPr>
             <a:r>
               <a:rPr b="0" lang="en-US" sz="3200" spc="-1" strike="noStrike">
@@ -12019,7 +12356,7 @@
         <p:spPr>
           <a:xfrm>
             <a:off x="338040" y="1065240"/>
-            <a:ext cx="7828560" cy="1677960"/>
+            <a:ext cx="7828200" cy="1677600"/>
           </a:xfrm>
           <a:prstGeom prst="rect">
             <a:avLst/>
@@ -12076,7 +12413,7 @@
                 <a:srgbClr val="000000"/>
               </a:buClr>
               <a:buSzPct val="75000"/>
-              <a:buFont typeface="Symbol" charset="2"/>
+              <a:buFont typeface="Symbol"/>
               <a:buChar char=""/>
             </a:pPr>
             <a:r>
@@ -12107,7 +12444,7 @@
                 <a:srgbClr val="000000"/>
               </a:buClr>
               <a:buSzPct val="75000"/>
-              <a:buFont typeface="Symbol" charset="2"/>
+              <a:buFont typeface="Symbol"/>
               <a:buChar char=""/>
             </a:pPr>
             <a:r>
@@ -12172,7 +12509,7 @@
         <p:spPr>
           <a:xfrm>
             <a:off x="1371600" y="6553080"/>
-            <a:ext cx="4647240" cy="167040"/>
+            <a:ext cx="4646880" cy="166680"/>
           </a:xfrm>
           <a:prstGeom prst="rect">
             <a:avLst/>
@@ -12192,6 +12529,9 @@
                 <a:spcPct val="100000"/>
               </a:lnSpc>
               <a:buNone/>
+              <a:tabLst>
+                <a:tab algn="l" pos="0"/>
+              </a:tabLst>
               <a:defRPr b="0" lang="en-US" sz="1200" spc="-1" strike="noStrike">
                 <a:solidFill>
                   <a:srgbClr val="000000"/>
@@ -12206,6 +12546,9 @@
                 <a:spcPct val="100000"/>
               </a:lnSpc>
               <a:buNone/>
+              <a:tabLst>
+                <a:tab algn="l" pos="0"/>
+              </a:tabLst>
             </a:pPr>
             <a:r>
               <a:rPr b="0" lang="en-US" sz="1200" spc="-1" strike="noStrike">
@@ -12238,7 +12581,7 @@
         <p:spPr>
           <a:xfrm>
             <a:off x="6172200" y="6534000"/>
-            <a:ext cx="1675440" cy="170280"/>
+            <a:ext cx="1675080" cy="169920"/>
           </a:xfrm>
           <a:prstGeom prst="rect">
             <a:avLst/>
@@ -12258,6 +12601,9 @@
                 <a:spcPct val="100000"/>
               </a:lnSpc>
               <a:buNone/>
+              <a:tabLst>
+                <a:tab algn="l" pos="0"/>
+              </a:tabLst>
               <a:defRPr b="0" lang="en-US" sz="1200" spc="-1" strike="noStrike">
                 <a:solidFill>
                   <a:srgbClr val="000000"/>
@@ -12272,6 +12618,9 @@
                 <a:spcPct val="100000"/>
               </a:lnSpc>
               <a:buNone/>
+              <a:tabLst>
+                <a:tab algn="l" pos="0"/>
+              </a:tabLst>
             </a:pPr>
             <a:r>
               <a:rPr b="0" lang="en-US" sz="1200" spc="-1" strike="noStrike">
@@ -12304,7 +12653,7 @@
         <p:spPr>
           <a:xfrm>
             <a:off x="8153280" y="6537240"/>
-            <a:ext cx="837000" cy="167040"/>
+            <a:ext cx="836640" cy="166680"/>
           </a:xfrm>
           <a:prstGeom prst="rect">
             <a:avLst/>
@@ -12324,6 +12673,9 @@
                 <a:spcPct val="100000"/>
               </a:lnSpc>
               <a:buNone/>
+              <a:tabLst>
+                <a:tab algn="l" pos="0"/>
+              </a:tabLst>
               <a:defRPr b="0" lang="en-US" sz="1400" spc="-1" strike="noStrike">
                 <a:solidFill>
                   <a:srgbClr val="000000"/>
@@ -12338,8 +12690,11 @@
                 <a:spcPct val="100000"/>
               </a:lnSpc>
               <a:buNone/>
-            </a:pPr>
-            <a:fld id="{9CEDEE1F-CF7D-4BBB-AD62-FF0CD75B052E}" type="slidenum">
+              <a:tabLst>
+                <a:tab algn="l" pos="0"/>
+              </a:tabLst>
+            </a:pPr>
+            <a:fld id="{9DB8ECD6-BEF4-409E-B327-49A07111E6E8}" type="slidenum">
               <a:rPr b="0" lang="en-US" sz="1400" spc="-1" strike="noStrike">
                 <a:solidFill>
                   <a:srgbClr val="000000"/>
@@ -12370,7 +12725,7 @@
         <p:spPr>
           <a:xfrm>
             <a:off x="1965960" y="3657600"/>
-            <a:ext cx="3749040" cy="1371600"/>
+            <a:ext cx="3748680" cy="1371240"/>
           </a:xfrm>
           <a:prstGeom prst="rect">
             <a:avLst/>
@@ -12423,7 +12778,7 @@
         <p:spPr>
           <a:xfrm>
             <a:off x="338040" y="318960"/>
-            <a:ext cx="8453880" cy="578520"/>
+            <a:ext cx="8453520" cy="578160"/>
           </a:xfrm>
           <a:prstGeom prst="rect">
             <a:avLst/>
@@ -12443,6 +12798,9 @@
                 <a:spcPct val="100000"/>
               </a:lnSpc>
               <a:buNone/>
+              <a:tabLst>
+                <a:tab algn="l" pos="0"/>
+              </a:tabLst>
             </a:pPr>
             <a:r>
               <a:rPr b="0" lang="en-US" sz="3200" spc="-1" strike="noStrike">
@@ -12475,7 +12833,7 @@
         <p:spPr>
           <a:xfrm>
             <a:off x="338040" y="1065240"/>
-            <a:ext cx="7828560" cy="1677960"/>
+            <a:ext cx="7828200" cy="1677600"/>
           </a:xfrm>
           <a:prstGeom prst="rect">
             <a:avLst/>
@@ -12532,7 +12890,7 @@
                 <a:srgbClr val="000000"/>
               </a:buClr>
               <a:buSzPct val="75000"/>
-              <a:buFont typeface="Symbol" charset="2"/>
+              <a:buFont typeface="Symbol"/>
               <a:buChar char=""/>
             </a:pPr>
             <a:r>
@@ -12542,7 +12900,7 @@
                 </a:solidFill>
                 <a:latin typeface="Arial"/>
               </a:rPr>
-              <a:t>Get “registry” entry for desired input</a:t>
+              <a:t>Get “registry” entry for desired output</a:t>
             </a:r>
             <a:endParaRPr b="0" lang="en-US" sz="2000" spc="-1" strike="noStrike">
               <a:solidFill>
@@ -12563,7 +12921,7 @@
                 <a:srgbClr val="000000"/>
               </a:buClr>
               <a:buSzPct val="75000"/>
-              <a:buFont typeface="Symbol" charset="2"/>
+              <a:buFont typeface="Symbol"/>
               <a:buChar char=""/>
             </a:pPr>
             <a:r>
@@ -12573,7 +12931,7 @@
                 </a:solidFill>
                 <a:latin typeface="Arial"/>
               </a:rPr>
-              <a:t>Read current value from hardware.</a:t>
+              <a:t>Write desired value to hardware.</a:t>
             </a:r>
             <a:endParaRPr b="0" lang="en-US" sz="2000" spc="-1" strike="noStrike">
               <a:solidFill>
@@ -12628,7 +12986,7 @@
         <p:spPr>
           <a:xfrm>
             <a:off x="1371600" y="6553080"/>
-            <a:ext cx="4647240" cy="167040"/>
+            <a:ext cx="4646880" cy="166680"/>
           </a:xfrm>
           <a:prstGeom prst="rect">
             <a:avLst/>
@@ -12648,6 +13006,9 @@
                 <a:spcPct val="100000"/>
               </a:lnSpc>
               <a:buNone/>
+              <a:tabLst>
+                <a:tab algn="l" pos="0"/>
+              </a:tabLst>
               <a:defRPr b="0" lang="en-US" sz="1200" spc="-1" strike="noStrike">
                 <a:solidFill>
                   <a:srgbClr val="000000"/>
@@ -12662,6 +13023,9 @@
                 <a:spcPct val="100000"/>
               </a:lnSpc>
               <a:buNone/>
+              <a:tabLst>
+                <a:tab algn="l" pos="0"/>
+              </a:tabLst>
             </a:pPr>
             <a:r>
               <a:rPr b="0" lang="en-US" sz="1200" spc="-1" strike="noStrike">
@@ -12694,7 +13058,7 @@
         <p:spPr>
           <a:xfrm>
             <a:off x="6172200" y="6534000"/>
-            <a:ext cx="1675440" cy="170280"/>
+            <a:ext cx="1675080" cy="169920"/>
           </a:xfrm>
           <a:prstGeom prst="rect">
             <a:avLst/>
@@ -12714,6 +13078,9 @@
                 <a:spcPct val="100000"/>
               </a:lnSpc>
               <a:buNone/>
+              <a:tabLst>
+                <a:tab algn="l" pos="0"/>
+              </a:tabLst>
               <a:defRPr b="0" lang="en-US" sz="1200" spc="-1" strike="noStrike">
                 <a:solidFill>
                   <a:srgbClr val="000000"/>
@@ -12728,6 +13095,9 @@
                 <a:spcPct val="100000"/>
               </a:lnSpc>
               <a:buNone/>
+              <a:tabLst>
+                <a:tab algn="l" pos="0"/>
+              </a:tabLst>
             </a:pPr>
             <a:r>
               <a:rPr b="0" lang="en-US" sz="1200" spc="-1" strike="noStrike">
@@ -12760,7 +13130,7 @@
         <p:spPr>
           <a:xfrm>
             <a:off x="8153280" y="6537240"/>
-            <a:ext cx="837000" cy="167040"/>
+            <a:ext cx="836640" cy="166680"/>
           </a:xfrm>
           <a:prstGeom prst="rect">
             <a:avLst/>
@@ -12780,6 +13150,9 @@
                 <a:spcPct val="100000"/>
               </a:lnSpc>
               <a:buNone/>
+              <a:tabLst>
+                <a:tab algn="l" pos="0"/>
+              </a:tabLst>
               <a:defRPr b="0" lang="en-US" sz="1400" spc="-1" strike="noStrike">
                 <a:solidFill>
                   <a:srgbClr val="000000"/>
@@ -12794,8 +13167,11 @@
                 <a:spcPct val="100000"/>
               </a:lnSpc>
               <a:buNone/>
-            </a:pPr>
-            <a:fld id="{4DDD24BA-B51C-4292-9A78-CF97E8A5C23D}" type="slidenum">
+              <a:tabLst>
+                <a:tab algn="l" pos="0"/>
+              </a:tabLst>
+            </a:pPr>
+            <a:fld id="{79152A36-19EB-4094-9C67-FD3C1213503F}" type="slidenum">
               <a:rPr b="0" lang="en-US" sz="1400" spc="-1" strike="noStrike">
                 <a:solidFill>
                   <a:srgbClr val="000000"/>
@@ -12826,7 +13202,7 @@
         <p:spPr>
           <a:xfrm>
             <a:off x="1387440" y="3274200"/>
-            <a:ext cx="5897880" cy="2743200"/>
+            <a:ext cx="5897520" cy="2742840"/>
           </a:xfrm>
           <a:prstGeom prst="rect">
             <a:avLst/>
@@ -12879,7 +13255,7 @@
         <p:spPr>
           <a:xfrm>
             <a:off x="338040" y="318960"/>
-            <a:ext cx="8453880" cy="578520"/>
+            <a:ext cx="8453520" cy="578160"/>
           </a:xfrm>
           <a:prstGeom prst="rect">
             <a:avLst/>
@@ -12899,6 +13275,9 @@
                 <a:spcPct val="100000"/>
               </a:lnSpc>
               <a:buNone/>
+              <a:tabLst>
+                <a:tab algn="l" pos="0"/>
+              </a:tabLst>
             </a:pPr>
             <a:r>
               <a:rPr b="0" lang="en-US" sz="3200" spc="-1" strike="noStrike">
@@ -12931,7 +13310,7 @@
         <p:spPr>
           <a:xfrm>
             <a:off x="338040" y="1065240"/>
-            <a:ext cx="7828560" cy="1677960"/>
+            <a:ext cx="7828200" cy="1677600"/>
           </a:xfrm>
           <a:prstGeom prst="rect">
             <a:avLst/>
@@ -12991,7 +13370,7 @@
         <p:spPr>
           <a:xfrm>
             <a:off x="1371600" y="6553080"/>
-            <a:ext cx="4647240" cy="167040"/>
+            <a:ext cx="4646880" cy="166680"/>
           </a:xfrm>
           <a:prstGeom prst="rect">
             <a:avLst/>
@@ -13011,6 +13390,9 @@
                 <a:spcPct val="100000"/>
               </a:lnSpc>
               <a:buNone/>
+              <a:tabLst>
+                <a:tab algn="l" pos="0"/>
+              </a:tabLst>
               <a:defRPr b="0" lang="en-US" sz="1200" spc="-1" strike="noStrike">
                 <a:solidFill>
                   <a:srgbClr val="000000"/>
@@ -13025,6 +13407,9 @@
                 <a:spcPct val="100000"/>
               </a:lnSpc>
               <a:buNone/>
+              <a:tabLst>
+                <a:tab algn="l" pos="0"/>
+              </a:tabLst>
             </a:pPr>
             <a:r>
               <a:rPr b="0" lang="en-US" sz="1200" spc="-1" strike="noStrike">
@@ -13057,7 +13442,7 @@
         <p:spPr>
           <a:xfrm>
             <a:off x="6172200" y="6534000"/>
-            <a:ext cx="1675440" cy="170280"/>
+            <a:ext cx="1675080" cy="169920"/>
           </a:xfrm>
           <a:prstGeom prst="rect">
             <a:avLst/>
@@ -13077,6 +13462,9 @@
                 <a:spcPct val="100000"/>
               </a:lnSpc>
               <a:buNone/>
+              <a:tabLst>
+                <a:tab algn="l" pos="0"/>
+              </a:tabLst>
               <a:defRPr b="0" lang="en-US" sz="1200" spc="-1" strike="noStrike">
                 <a:solidFill>
                   <a:srgbClr val="000000"/>
@@ -13091,6 +13479,9 @@
                 <a:spcPct val="100000"/>
               </a:lnSpc>
               <a:buNone/>
+              <a:tabLst>
+                <a:tab algn="l" pos="0"/>
+              </a:tabLst>
             </a:pPr>
             <a:r>
               <a:rPr b="0" lang="en-US" sz="1200" spc="-1" strike="noStrike">
@@ -13123,7 +13514,7 @@
         <p:spPr>
           <a:xfrm>
             <a:off x="8153280" y="6537240"/>
-            <a:ext cx="837000" cy="167040"/>
+            <a:ext cx="836640" cy="166680"/>
           </a:xfrm>
           <a:prstGeom prst="rect">
             <a:avLst/>
@@ -13143,6 +13534,9 @@
                 <a:spcPct val="100000"/>
               </a:lnSpc>
               <a:buNone/>
+              <a:tabLst>
+                <a:tab algn="l" pos="0"/>
+              </a:tabLst>
               <a:defRPr b="0" lang="en-US" sz="1400" spc="-1" strike="noStrike">
                 <a:solidFill>
                   <a:srgbClr val="000000"/>
@@ -13157,8 +13551,11 @@
                 <a:spcPct val="100000"/>
               </a:lnSpc>
               <a:buNone/>
-            </a:pPr>
-            <a:fld id="{5F83FD14-113F-4CD1-A53E-9E9543BBE014}" type="slidenum">
+              <a:tabLst>
+                <a:tab algn="l" pos="0"/>
+              </a:tabLst>
+            </a:pPr>
+            <a:fld id="{0204745B-EE0B-4F18-9BBB-973C0699FE5D}" type="slidenum">
               <a:rPr b="0" lang="en-US" sz="1400" spc="-1" strike="noStrike">
                 <a:solidFill>
                   <a:srgbClr val="000000"/>
@@ -13219,7 +13616,7 @@
         <p:spPr>
           <a:xfrm>
             <a:off x="338040" y="318960"/>
-            <a:ext cx="8453880" cy="578520"/>
+            <a:ext cx="8453520" cy="578160"/>
           </a:xfrm>
           <a:prstGeom prst="rect">
             <a:avLst/>
@@ -13239,6 +13636,9 @@
                 <a:spcPct val="100000"/>
               </a:lnSpc>
               <a:buNone/>
+              <a:tabLst>
+                <a:tab algn="l" pos="0"/>
+              </a:tabLst>
             </a:pPr>
             <a:r>
               <a:rPr b="0" lang="en-US" sz="3200" spc="-1" strike="noStrike">
@@ -13271,7 +13671,7 @@
         <p:spPr>
           <a:xfrm>
             <a:off x="338040" y="1065240"/>
-            <a:ext cx="8577360" cy="2363760"/>
+            <a:ext cx="8577000" cy="2363400"/>
           </a:xfrm>
           <a:prstGeom prst="rect">
             <a:avLst/>
@@ -13359,7 +13759,7 @@
                 <a:srgbClr val="000000"/>
               </a:buClr>
               <a:buSzPct val="75000"/>
-              <a:buFont typeface="Symbol" charset="2"/>
+              <a:buFont typeface="Symbol"/>
               <a:buChar char=""/>
             </a:pPr>
             <a:r>
@@ -13424,7 +13824,7 @@
         <p:spPr>
           <a:xfrm>
             <a:off x="1371600" y="6553080"/>
-            <a:ext cx="4647240" cy="167040"/>
+            <a:ext cx="4646880" cy="166680"/>
           </a:xfrm>
           <a:prstGeom prst="rect">
             <a:avLst/>
@@ -13444,6 +13844,9 @@
                 <a:spcPct val="100000"/>
               </a:lnSpc>
               <a:buNone/>
+              <a:tabLst>
+                <a:tab algn="l" pos="0"/>
+              </a:tabLst>
               <a:defRPr b="0" lang="en-US" sz="1200" spc="-1" strike="noStrike">
                 <a:solidFill>
                   <a:srgbClr val="000000"/>
@@ -13458,6 +13861,9 @@
                 <a:spcPct val="100000"/>
               </a:lnSpc>
               <a:buNone/>
+              <a:tabLst>
+                <a:tab algn="l" pos="0"/>
+              </a:tabLst>
             </a:pPr>
             <a:r>
               <a:rPr b="0" lang="en-US" sz="1200" spc="-1" strike="noStrike">
@@ -13490,7 +13896,7 @@
         <p:spPr>
           <a:xfrm>
             <a:off x="6172200" y="6534000"/>
-            <a:ext cx="1675440" cy="170280"/>
+            <a:ext cx="1675080" cy="169920"/>
           </a:xfrm>
           <a:prstGeom prst="rect">
             <a:avLst/>
@@ -13510,6 +13916,9 @@
                 <a:spcPct val="100000"/>
               </a:lnSpc>
               <a:buNone/>
+              <a:tabLst>
+                <a:tab algn="l" pos="0"/>
+              </a:tabLst>
               <a:defRPr b="0" lang="en-US" sz="1200" spc="-1" strike="noStrike">
                 <a:solidFill>
                   <a:srgbClr val="000000"/>
@@ -13524,6 +13933,9 @@
                 <a:spcPct val="100000"/>
               </a:lnSpc>
               <a:buNone/>
+              <a:tabLst>
+                <a:tab algn="l" pos="0"/>
+              </a:tabLst>
             </a:pPr>
             <a:r>
               <a:rPr b="0" lang="en-US" sz="1200" spc="-1" strike="noStrike">
@@ -13556,7 +13968,7 @@
         <p:spPr>
           <a:xfrm>
             <a:off x="8153280" y="6537240"/>
-            <a:ext cx="837000" cy="167040"/>
+            <a:ext cx="836640" cy="166680"/>
           </a:xfrm>
           <a:prstGeom prst="rect">
             <a:avLst/>
@@ -13576,6 +13988,9 @@
                 <a:spcPct val="100000"/>
               </a:lnSpc>
               <a:buNone/>
+              <a:tabLst>
+                <a:tab algn="l" pos="0"/>
+              </a:tabLst>
               <a:defRPr b="0" lang="en-US" sz="1400" spc="-1" strike="noStrike">
                 <a:solidFill>
                   <a:srgbClr val="000000"/>
@@ -13590,8 +14005,11 @@
                 <a:spcPct val="100000"/>
               </a:lnSpc>
               <a:buNone/>
-            </a:pPr>
-            <a:fld id="{2858CC50-D75D-4D30-905A-F088EC038313}" type="slidenum">
+              <a:tabLst>
+                <a:tab algn="l" pos="0"/>
+              </a:tabLst>
+            </a:pPr>
+            <a:fld id="{C0B14B2D-3B4E-477F-9CF8-B6FF95F1D69D}" type="slidenum">
               <a:rPr b="0" lang="en-US" sz="1400" spc="-1" strike="noStrike">
                 <a:solidFill>
                   <a:srgbClr val="000000"/>
@@ -13622,7 +14040,7 @@
         <p:spPr>
           <a:xfrm>
             <a:off x="1262880" y="3023640"/>
-            <a:ext cx="6509520" cy="3269160"/>
+            <a:ext cx="6509160" cy="3268800"/>
           </a:xfrm>
           <a:prstGeom prst="rect">
             <a:avLst/>
@@ -13675,7 +14093,7 @@
         <p:spPr>
           <a:xfrm>
             <a:off x="338040" y="318960"/>
-            <a:ext cx="8453880" cy="578520"/>
+            <a:ext cx="8453520" cy="578160"/>
           </a:xfrm>
           <a:prstGeom prst="rect">
             <a:avLst/>
@@ -13695,6 +14113,9 @@
                 <a:spcPct val="100000"/>
               </a:lnSpc>
               <a:buNone/>
+              <a:tabLst>
+                <a:tab algn="l" pos="0"/>
+              </a:tabLst>
             </a:pPr>
             <a:r>
               <a:rPr b="0" lang="en-US" sz="3200" spc="-1" strike="noStrike">
@@ -13745,7 +14166,7 @@
         <p:spPr>
           <a:xfrm>
             <a:off x="338040" y="1065240"/>
-            <a:ext cx="8577360" cy="2363760"/>
+            <a:ext cx="8577000" cy="2363400"/>
           </a:xfrm>
           <a:prstGeom prst="rect">
             <a:avLst/>
@@ -13805,7 +14226,7 @@
         <p:spPr>
           <a:xfrm>
             <a:off x="1371600" y="6553080"/>
-            <a:ext cx="4647240" cy="167040"/>
+            <a:ext cx="4646880" cy="166680"/>
           </a:xfrm>
           <a:prstGeom prst="rect">
             <a:avLst/>
@@ -13825,6 +14246,9 @@
                 <a:spcPct val="100000"/>
               </a:lnSpc>
               <a:buNone/>
+              <a:tabLst>
+                <a:tab algn="l" pos="0"/>
+              </a:tabLst>
               <a:defRPr b="0" lang="en-US" sz="1200" spc="-1" strike="noStrike">
                 <a:solidFill>
                   <a:srgbClr val="000000"/>
@@ -13839,6 +14263,9 @@
                 <a:spcPct val="100000"/>
               </a:lnSpc>
               <a:buNone/>
+              <a:tabLst>
+                <a:tab algn="l" pos="0"/>
+              </a:tabLst>
             </a:pPr>
             <a:r>
               <a:rPr b="0" lang="en-US" sz="1200" spc="-1" strike="noStrike">
@@ -13871,7 +14298,7 @@
         <p:spPr>
           <a:xfrm>
             <a:off x="6172200" y="6534000"/>
-            <a:ext cx="1675440" cy="170280"/>
+            <a:ext cx="1675080" cy="169920"/>
           </a:xfrm>
           <a:prstGeom prst="rect">
             <a:avLst/>
@@ -13891,6 +14318,9 @@
                 <a:spcPct val="100000"/>
               </a:lnSpc>
               <a:buNone/>
+              <a:tabLst>
+                <a:tab algn="l" pos="0"/>
+              </a:tabLst>
               <a:defRPr b="0" lang="en-US" sz="1200" spc="-1" strike="noStrike">
                 <a:solidFill>
                   <a:srgbClr val="000000"/>
@@ -13905,6 +14335,9 @@
                 <a:spcPct val="100000"/>
               </a:lnSpc>
               <a:buNone/>
+              <a:tabLst>
+                <a:tab algn="l" pos="0"/>
+              </a:tabLst>
             </a:pPr>
             <a:r>
               <a:rPr b="0" lang="en-US" sz="1200" spc="-1" strike="noStrike">
@@ -13937,7 +14370,7 @@
         <p:spPr>
           <a:xfrm>
             <a:off x="8153280" y="6537240"/>
-            <a:ext cx="837000" cy="167040"/>
+            <a:ext cx="836640" cy="166680"/>
           </a:xfrm>
           <a:prstGeom prst="rect">
             <a:avLst/>
@@ -13957,6 +14390,9 @@
                 <a:spcPct val="100000"/>
               </a:lnSpc>
               <a:buNone/>
+              <a:tabLst>
+                <a:tab algn="l" pos="0"/>
+              </a:tabLst>
               <a:defRPr b="0" lang="en-US" sz="1400" spc="-1" strike="noStrike">
                 <a:solidFill>
                   <a:srgbClr val="000000"/>
@@ -13971,8 +14407,11 @@
                 <a:spcPct val="100000"/>
               </a:lnSpc>
               <a:buNone/>
-            </a:pPr>
-            <a:fld id="{C9CC104A-ED6A-4FC1-9890-8D85E7152A1C}" type="slidenum">
+              <a:tabLst>
+                <a:tab algn="l" pos="0"/>
+              </a:tabLst>
+            </a:pPr>
+            <a:fld id="{26D939C1-2761-4086-8B27-D2578D55E7D0}" type="slidenum">
               <a:rPr b="0" lang="en-US" sz="1400" spc="-1" strike="noStrike">
                 <a:solidFill>
                   <a:srgbClr val="000000"/>
@@ -14003,7 +14442,7 @@
         <p:spPr>
           <a:xfrm>
             <a:off x="905400" y="2249280"/>
-            <a:ext cx="7324200" cy="2779920"/>
+            <a:ext cx="7323840" cy="2779560"/>
           </a:xfrm>
           <a:prstGeom prst="rect">
             <a:avLst/>
@@ -14056,7 +14495,7 @@
         <p:spPr>
           <a:xfrm>
             <a:off x="338040" y="318960"/>
-            <a:ext cx="8453880" cy="578520"/>
+            <a:ext cx="8453520" cy="578160"/>
           </a:xfrm>
           <a:prstGeom prst="rect">
             <a:avLst/>
@@ -14076,6 +14515,9 @@
                 <a:spcPct val="100000"/>
               </a:lnSpc>
               <a:buNone/>
+              <a:tabLst>
+                <a:tab algn="l" pos="0"/>
+              </a:tabLst>
             </a:pPr>
             <a:r>
               <a:rPr b="0" lang="en-US" sz="3200" spc="-1" strike="noStrike">
@@ -14108,7 +14550,7 @@
         <p:spPr>
           <a:xfrm>
             <a:off x="338040" y="1065240"/>
-            <a:ext cx="7828560" cy="1677960"/>
+            <a:ext cx="7828200" cy="1677600"/>
           </a:xfrm>
           <a:prstGeom prst="rect">
             <a:avLst/>
@@ -14199,7 +14641,7 @@
         <p:spPr>
           <a:xfrm>
             <a:off x="1371600" y="6553080"/>
-            <a:ext cx="4647240" cy="167040"/>
+            <a:ext cx="4646880" cy="166680"/>
           </a:xfrm>
           <a:prstGeom prst="rect">
             <a:avLst/>
@@ -14219,6 +14661,9 @@
                 <a:spcPct val="100000"/>
               </a:lnSpc>
               <a:buNone/>
+              <a:tabLst>
+                <a:tab algn="l" pos="0"/>
+              </a:tabLst>
               <a:defRPr b="0" lang="en-US" sz="1200" spc="-1" strike="noStrike">
                 <a:solidFill>
                   <a:srgbClr val="000000"/>
@@ -14233,6 +14678,9 @@
                 <a:spcPct val="100000"/>
               </a:lnSpc>
               <a:buNone/>
+              <a:tabLst>
+                <a:tab algn="l" pos="0"/>
+              </a:tabLst>
             </a:pPr>
             <a:r>
               <a:rPr b="0" lang="en-US" sz="1200" spc="-1" strike="noStrike">
@@ -14265,7 +14713,7 @@
         <p:spPr>
           <a:xfrm>
             <a:off x="6172200" y="6534000"/>
-            <a:ext cx="1675440" cy="170280"/>
+            <a:ext cx="1675080" cy="169920"/>
           </a:xfrm>
           <a:prstGeom prst="rect">
             <a:avLst/>
@@ -14285,6 +14733,9 @@
                 <a:spcPct val="100000"/>
               </a:lnSpc>
               <a:buNone/>
+              <a:tabLst>
+                <a:tab algn="l" pos="0"/>
+              </a:tabLst>
               <a:defRPr b="0" lang="en-US" sz="1200" spc="-1" strike="noStrike">
                 <a:solidFill>
                   <a:srgbClr val="000000"/>
@@ -14299,6 +14750,9 @@
                 <a:spcPct val="100000"/>
               </a:lnSpc>
               <a:buNone/>
+              <a:tabLst>
+                <a:tab algn="l" pos="0"/>
+              </a:tabLst>
             </a:pPr>
             <a:r>
               <a:rPr b="0" lang="en-US" sz="1200" spc="-1" strike="noStrike">
@@ -14331,7 +14785,7 @@
         <p:spPr>
           <a:xfrm>
             <a:off x="8153280" y="6537240"/>
-            <a:ext cx="837000" cy="167040"/>
+            <a:ext cx="836640" cy="166680"/>
           </a:xfrm>
           <a:prstGeom prst="rect">
             <a:avLst/>
@@ -14351,6 +14805,9 @@
                 <a:spcPct val="100000"/>
               </a:lnSpc>
               <a:buNone/>
+              <a:tabLst>
+                <a:tab algn="l" pos="0"/>
+              </a:tabLst>
               <a:defRPr b="0" lang="en-US" sz="1400" spc="-1" strike="noStrike">
                 <a:solidFill>
                   <a:srgbClr val="000000"/>
@@ -14365,8 +14822,11 @@
                 <a:spcPct val="100000"/>
               </a:lnSpc>
               <a:buNone/>
-            </a:pPr>
-            <a:fld id="{EBE3B4DB-9AA9-4B51-9598-04489511002B}" type="slidenum">
+              <a:tabLst>
+                <a:tab algn="l" pos="0"/>
+              </a:tabLst>
+            </a:pPr>
+            <a:fld id="{E106AF39-A240-42E9-97DB-B211E4137AE4}" type="slidenum">
               <a:rPr b="0" lang="en-US" sz="1400" spc="-1" strike="noStrike">
                 <a:solidFill>
                   <a:srgbClr val="000000"/>
@@ -14397,7 +14857,7 @@
         <p:spPr>
           <a:xfrm>
             <a:off x="2727720" y="2755800"/>
-            <a:ext cx="3552480" cy="3362040"/>
+            <a:ext cx="3552120" cy="3361680"/>
           </a:xfrm>
           <a:prstGeom prst="rect">
             <a:avLst/>
@@ -14450,7 +14910,7 @@
         <p:spPr>
           <a:xfrm>
             <a:off x="338040" y="318960"/>
-            <a:ext cx="8453880" cy="578520"/>
+            <a:ext cx="8453520" cy="578160"/>
           </a:xfrm>
           <a:prstGeom prst="rect">
             <a:avLst/>
@@ -14470,6 +14930,9 @@
                 <a:spcPct val="100000"/>
               </a:lnSpc>
               <a:buNone/>
+              <a:tabLst>
+                <a:tab algn="l" pos="0"/>
+              </a:tabLst>
             </a:pPr>
             <a:r>
               <a:rPr b="0" lang="en-US" sz="3200" spc="-1" strike="noStrike">
@@ -14502,7 +14965,7 @@
         <p:spPr>
           <a:xfrm>
             <a:off x="338040" y="1065240"/>
-            <a:ext cx="7828560" cy="1677960"/>
+            <a:ext cx="7828200" cy="1677600"/>
           </a:xfrm>
           <a:prstGeom prst="rect">
             <a:avLst/>
@@ -14562,7 +15025,7 @@
         <p:spPr>
           <a:xfrm>
             <a:off x="1371600" y="6553080"/>
-            <a:ext cx="4647240" cy="167040"/>
+            <a:ext cx="4646880" cy="166680"/>
           </a:xfrm>
           <a:prstGeom prst="rect">
             <a:avLst/>
@@ -14582,6 +15045,9 @@
                 <a:spcPct val="100000"/>
               </a:lnSpc>
               <a:buNone/>
+              <a:tabLst>
+                <a:tab algn="l" pos="0"/>
+              </a:tabLst>
               <a:defRPr b="0" lang="en-US" sz="1200" spc="-1" strike="noStrike">
                 <a:solidFill>
                   <a:srgbClr val="000000"/>
@@ -14596,6 +15062,9 @@
                 <a:spcPct val="100000"/>
               </a:lnSpc>
               <a:buNone/>
+              <a:tabLst>
+                <a:tab algn="l" pos="0"/>
+              </a:tabLst>
             </a:pPr>
             <a:r>
               <a:rPr b="0" lang="en-US" sz="1200" spc="-1" strike="noStrike">
@@ -14628,7 +15097,7 @@
         <p:spPr>
           <a:xfrm>
             <a:off x="6172200" y="6534000"/>
-            <a:ext cx="1675440" cy="170280"/>
+            <a:ext cx="1675080" cy="169920"/>
           </a:xfrm>
           <a:prstGeom prst="rect">
             <a:avLst/>
@@ -14648,6 +15117,9 @@
                 <a:spcPct val="100000"/>
               </a:lnSpc>
               <a:buNone/>
+              <a:tabLst>
+                <a:tab algn="l" pos="0"/>
+              </a:tabLst>
               <a:defRPr b="0" lang="en-US" sz="1200" spc="-1" strike="noStrike">
                 <a:solidFill>
                   <a:srgbClr val="000000"/>
@@ -14662,6 +15134,9 @@
                 <a:spcPct val="100000"/>
               </a:lnSpc>
               <a:buNone/>
+              <a:tabLst>
+                <a:tab algn="l" pos="0"/>
+              </a:tabLst>
             </a:pPr>
             <a:r>
               <a:rPr b="0" lang="en-US" sz="1200" spc="-1" strike="noStrike">
@@ -14694,7 +15169,7 @@
         <p:spPr>
           <a:xfrm>
             <a:off x="8153280" y="6537240"/>
-            <a:ext cx="837000" cy="167040"/>
+            <a:ext cx="836640" cy="166680"/>
           </a:xfrm>
           <a:prstGeom prst="rect">
             <a:avLst/>
@@ -14714,6 +15189,9 @@
                 <a:spcPct val="100000"/>
               </a:lnSpc>
               <a:buNone/>
+              <a:tabLst>
+                <a:tab algn="l" pos="0"/>
+              </a:tabLst>
               <a:defRPr b="0" lang="en-US" sz="1400" spc="-1" strike="noStrike">
                 <a:solidFill>
                   <a:srgbClr val="000000"/>
@@ -14728,8 +15206,11 @@
                 <a:spcPct val="100000"/>
               </a:lnSpc>
               <a:buNone/>
-            </a:pPr>
-            <a:fld id="{FC32125D-57CD-4798-9E0B-7B6F6C2AFDB0}" type="slidenum">
+              <a:tabLst>
+                <a:tab algn="l" pos="0"/>
+              </a:tabLst>
+            </a:pPr>
+            <a:fld id="{BC6297EA-2A47-434E-99AE-30EC07F43042}" type="slidenum">
               <a:rPr b="0" lang="en-US" sz="1400" spc="-1" strike="noStrike">
                 <a:solidFill>
                   <a:srgbClr val="000000"/>
@@ -14760,7 +15241,7 @@
         <p:spPr>
           <a:xfrm>
             <a:off x="2679120" y="2286000"/>
-            <a:ext cx="3493080" cy="3657600"/>
+            <a:ext cx="3492720" cy="3657240"/>
           </a:xfrm>
           <a:prstGeom prst="rect">
             <a:avLst/>
@@ -14813,7 +15294,7 @@
         <p:spPr>
           <a:xfrm>
             <a:off x="338040" y="318960"/>
-            <a:ext cx="8453880" cy="578520"/>
+            <a:ext cx="8453520" cy="578160"/>
           </a:xfrm>
           <a:prstGeom prst="rect">
             <a:avLst/>
@@ -14833,6 +15314,9 @@
                 <a:spcPct val="100000"/>
               </a:lnSpc>
               <a:buNone/>
+              <a:tabLst>
+                <a:tab algn="l" pos="0"/>
+              </a:tabLst>
             </a:pPr>
             <a:r>
               <a:rPr b="0" lang="en-US" sz="3200" spc="-1" strike="noStrike">
@@ -14865,7 +15349,7 @@
         <p:spPr>
           <a:xfrm>
             <a:off x="338040" y="1065240"/>
-            <a:ext cx="7828560" cy="1677960"/>
+            <a:ext cx="7828200" cy="1677600"/>
           </a:xfrm>
           <a:prstGeom prst="rect">
             <a:avLst/>
@@ -14956,7 +15440,7 @@
         <p:spPr>
           <a:xfrm>
             <a:off x="1371600" y="6553080"/>
-            <a:ext cx="4647240" cy="167040"/>
+            <a:ext cx="4646880" cy="166680"/>
           </a:xfrm>
           <a:prstGeom prst="rect">
             <a:avLst/>
@@ -14976,6 +15460,9 @@
                 <a:spcPct val="100000"/>
               </a:lnSpc>
               <a:buNone/>
+              <a:tabLst>
+                <a:tab algn="l" pos="0"/>
+              </a:tabLst>
               <a:defRPr b="0" lang="en-US" sz="1200" spc="-1" strike="noStrike">
                 <a:solidFill>
                   <a:srgbClr val="000000"/>
@@ -14990,6 +15477,9 @@
                 <a:spcPct val="100000"/>
               </a:lnSpc>
               <a:buNone/>
+              <a:tabLst>
+                <a:tab algn="l" pos="0"/>
+              </a:tabLst>
             </a:pPr>
             <a:r>
               <a:rPr b="0" lang="en-US" sz="1200" spc="-1" strike="noStrike">
@@ -15022,7 +15512,7 @@
         <p:spPr>
           <a:xfrm>
             <a:off x="6172200" y="6534000"/>
-            <a:ext cx="1675440" cy="170280"/>
+            <a:ext cx="1675080" cy="169920"/>
           </a:xfrm>
           <a:prstGeom prst="rect">
             <a:avLst/>
@@ -15042,6 +15532,9 @@
                 <a:spcPct val="100000"/>
               </a:lnSpc>
               <a:buNone/>
+              <a:tabLst>
+                <a:tab algn="l" pos="0"/>
+              </a:tabLst>
               <a:defRPr b="0" lang="en-US" sz="1200" spc="-1" strike="noStrike">
                 <a:solidFill>
                   <a:srgbClr val="000000"/>
@@ -15056,6 +15549,9 @@
                 <a:spcPct val="100000"/>
               </a:lnSpc>
               <a:buNone/>
+              <a:tabLst>
+                <a:tab algn="l" pos="0"/>
+              </a:tabLst>
             </a:pPr>
             <a:r>
               <a:rPr b="0" lang="en-US" sz="1200" spc="-1" strike="noStrike">
@@ -15088,7 +15584,7 @@
         <p:spPr>
           <a:xfrm>
             <a:off x="8153280" y="6537240"/>
-            <a:ext cx="837000" cy="167040"/>
+            <a:ext cx="836640" cy="166680"/>
           </a:xfrm>
           <a:prstGeom prst="rect">
             <a:avLst/>
@@ -15108,6 +15604,9 @@
                 <a:spcPct val="100000"/>
               </a:lnSpc>
               <a:buNone/>
+              <a:tabLst>
+                <a:tab algn="l" pos="0"/>
+              </a:tabLst>
               <a:defRPr b="0" lang="en-US" sz="1400" spc="-1" strike="noStrike">
                 <a:solidFill>
                   <a:srgbClr val="000000"/>
@@ -15122,8 +15621,11 @@
                 <a:spcPct val="100000"/>
               </a:lnSpc>
               <a:buNone/>
-            </a:pPr>
-            <a:fld id="{0904B704-74E2-48DB-87DE-2F2211F2B272}" type="slidenum">
+              <a:tabLst>
+                <a:tab algn="l" pos="0"/>
+              </a:tabLst>
+            </a:pPr>
+            <a:fld id="{5A9149B7-BF5D-4FAD-AF59-2E23593D4688}" type="slidenum">
               <a:rPr b="0" lang="en-US" sz="1400" spc="-1" strike="noStrike">
                 <a:solidFill>
                   <a:srgbClr val="000000"/>
@@ -15154,7 +15656,7 @@
         <p:spPr>
           <a:xfrm>
             <a:off x="2727360" y="2381400"/>
-            <a:ext cx="3374280" cy="3840480"/>
+            <a:ext cx="3373920" cy="3840120"/>
           </a:xfrm>
           <a:prstGeom prst="rect">
             <a:avLst/>
@@ -15207,7 +15709,7 @@
         <p:spPr>
           <a:xfrm>
             <a:off x="338040" y="318960"/>
-            <a:ext cx="8453880" cy="578520"/>
+            <a:ext cx="8453520" cy="578160"/>
           </a:xfrm>
           <a:prstGeom prst="rect">
             <a:avLst/>
@@ -15227,6 +15729,9 @@
                 <a:spcPct val="100000"/>
               </a:lnSpc>
               <a:buNone/>
+              <a:tabLst>
+                <a:tab algn="l" pos="0"/>
+              </a:tabLst>
             </a:pPr>
             <a:r>
               <a:rPr b="0" lang="en-US" sz="3200" spc="-1" strike="noStrike">
@@ -15259,7 +15764,7 @@
         <p:spPr>
           <a:xfrm>
             <a:off x="338040" y="1065240"/>
-            <a:ext cx="8348760" cy="3049560"/>
+            <a:ext cx="8348400" cy="3049200"/>
           </a:xfrm>
           <a:prstGeom prst="rect">
             <a:avLst/>
@@ -15443,7 +15948,7 @@
         <p:spPr>
           <a:xfrm>
             <a:off x="1371600" y="6553080"/>
-            <a:ext cx="4647240" cy="167040"/>
+            <a:ext cx="4646880" cy="166680"/>
           </a:xfrm>
           <a:prstGeom prst="rect">
             <a:avLst/>
@@ -15463,6 +15968,9 @@
                 <a:spcPct val="100000"/>
               </a:lnSpc>
               <a:buNone/>
+              <a:tabLst>
+                <a:tab algn="l" pos="0"/>
+              </a:tabLst>
               <a:defRPr b="0" lang="en-US" sz="1200" spc="-1" strike="noStrike">
                 <a:solidFill>
                   <a:srgbClr val="000000"/>
@@ -15477,6 +15985,9 @@
                 <a:spcPct val="100000"/>
               </a:lnSpc>
               <a:buNone/>
+              <a:tabLst>
+                <a:tab algn="l" pos="0"/>
+              </a:tabLst>
             </a:pPr>
             <a:r>
               <a:rPr b="0" lang="en-US" sz="1200" spc="-1" strike="noStrike">
@@ -15509,7 +16020,7 @@
         <p:spPr>
           <a:xfrm>
             <a:off x="6172200" y="6534000"/>
-            <a:ext cx="1675440" cy="170280"/>
+            <a:ext cx="1675080" cy="169920"/>
           </a:xfrm>
           <a:prstGeom prst="rect">
             <a:avLst/>
@@ -15529,6 +16040,9 @@
                 <a:spcPct val="100000"/>
               </a:lnSpc>
               <a:buNone/>
+              <a:tabLst>
+                <a:tab algn="l" pos="0"/>
+              </a:tabLst>
               <a:defRPr b="0" lang="en-US" sz="1200" spc="-1" strike="noStrike">
                 <a:solidFill>
                   <a:srgbClr val="000000"/>
@@ -15543,6 +16057,9 @@
                 <a:spcPct val="100000"/>
               </a:lnSpc>
               <a:buNone/>
+              <a:tabLst>
+                <a:tab algn="l" pos="0"/>
+              </a:tabLst>
             </a:pPr>
             <a:r>
               <a:rPr b="0" lang="en-US" sz="1200" spc="-1" strike="noStrike">
@@ -15575,7 +16092,7 @@
         <p:spPr>
           <a:xfrm>
             <a:off x="8153280" y="6537240"/>
-            <a:ext cx="837000" cy="167040"/>
+            <a:ext cx="836640" cy="166680"/>
           </a:xfrm>
           <a:prstGeom prst="rect">
             <a:avLst/>
@@ -15595,6 +16112,9 @@
                 <a:spcPct val="100000"/>
               </a:lnSpc>
               <a:buNone/>
+              <a:tabLst>
+                <a:tab algn="l" pos="0"/>
+              </a:tabLst>
               <a:defRPr b="0" lang="en-US" sz="1400" spc="-1" strike="noStrike">
                 <a:solidFill>
                   <a:srgbClr val="000000"/>
@@ -15609,8 +16129,11 @@
                 <a:spcPct val="100000"/>
               </a:lnSpc>
               <a:buNone/>
-            </a:pPr>
-            <a:fld id="{5125D138-C674-4BAA-A213-59B315D853E7}" type="slidenum">
+              <a:tabLst>
+                <a:tab algn="l" pos="0"/>
+              </a:tabLst>
+            </a:pPr>
+            <a:fld id="{A9E2E0B5-6984-4947-9072-2DBBE840C591}" type="slidenum">
               <a:rPr b="0" lang="en-US" sz="1400" spc="-1" strike="noStrike">
                 <a:solidFill>
                   <a:srgbClr val="000000"/>
@@ -15641,7 +16164,7 @@
         <p:spPr>
           <a:xfrm>
             <a:off x="2359800" y="3814200"/>
-            <a:ext cx="4206240" cy="2477880"/>
+            <a:ext cx="4205880" cy="2477520"/>
           </a:xfrm>
           <a:prstGeom prst="rect">
             <a:avLst/>
@@ -15694,7 +16217,7 @@
         <p:spPr>
           <a:xfrm>
             <a:off x="338040" y="318960"/>
-            <a:ext cx="8453880" cy="578520"/>
+            <a:ext cx="8453520" cy="578160"/>
           </a:xfrm>
           <a:prstGeom prst="rect">
             <a:avLst/>
@@ -15714,6 +16237,9 @@
                 <a:spcPct val="100000"/>
               </a:lnSpc>
               <a:buNone/>
+              <a:tabLst>
+                <a:tab algn="l" pos="0"/>
+              </a:tabLst>
             </a:pPr>
             <a:r>
               <a:rPr b="0" lang="en-US" sz="3200" spc="-1" strike="noStrike">
@@ -15746,7 +16272,7 @@
         <p:spPr>
           <a:xfrm>
             <a:off x="338040" y="1065240"/>
-            <a:ext cx="7828560" cy="1677960"/>
+            <a:ext cx="7828200" cy="1677600"/>
           </a:xfrm>
           <a:prstGeom prst="rect">
             <a:avLst/>
@@ -15899,7 +16425,7 @@
         <p:spPr>
           <a:xfrm>
             <a:off x="1371600" y="6553080"/>
-            <a:ext cx="4647240" cy="167040"/>
+            <a:ext cx="4646880" cy="166680"/>
           </a:xfrm>
           <a:prstGeom prst="rect">
             <a:avLst/>
@@ -15919,6 +16445,9 @@
                 <a:spcPct val="100000"/>
               </a:lnSpc>
               <a:buNone/>
+              <a:tabLst>
+                <a:tab algn="l" pos="0"/>
+              </a:tabLst>
               <a:defRPr b="0" lang="en-US" sz="1200" spc="-1" strike="noStrike">
                 <a:solidFill>
                   <a:srgbClr val="000000"/>
@@ -15933,6 +16462,9 @@
                 <a:spcPct val="100000"/>
               </a:lnSpc>
               <a:buNone/>
+              <a:tabLst>
+                <a:tab algn="l" pos="0"/>
+              </a:tabLst>
             </a:pPr>
             <a:r>
               <a:rPr b="0" lang="en-US" sz="1200" spc="-1" strike="noStrike">
@@ -15965,7 +16497,7 @@
         <p:spPr>
           <a:xfrm>
             <a:off x="6172200" y="6534000"/>
-            <a:ext cx="1675440" cy="170280"/>
+            <a:ext cx="1675080" cy="169920"/>
           </a:xfrm>
           <a:prstGeom prst="rect">
             <a:avLst/>
@@ -15985,6 +16517,9 @@
                 <a:spcPct val="100000"/>
               </a:lnSpc>
               <a:buNone/>
+              <a:tabLst>
+                <a:tab algn="l" pos="0"/>
+              </a:tabLst>
               <a:defRPr b="0" lang="en-US" sz="1200" spc="-1" strike="noStrike">
                 <a:solidFill>
                   <a:srgbClr val="000000"/>
@@ -15999,6 +16534,9 @@
                 <a:spcPct val="100000"/>
               </a:lnSpc>
               <a:buNone/>
+              <a:tabLst>
+                <a:tab algn="l" pos="0"/>
+              </a:tabLst>
             </a:pPr>
             <a:r>
               <a:rPr b="0" lang="en-US" sz="1200" spc="-1" strike="noStrike">
@@ -16031,7 +16569,7 @@
         <p:spPr>
           <a:xfrm>
             <a:off x="8153280" y="6537240"/>
-            <a:ext cx="837000" cy="167040"/>
+            <a:ext cx="836640" cy="166680"/>
           </a:xfrm>
           <a:prstGeom prst="rect">
             <a:avLst/>
@@ -16051,6 +16589,9 @@
                 <a:spcPct val="100000"/>
               </a:lnSpc>
               <a:buNone/>
+              <a:tabLst>
+                <a:tab algn="l" pos="0"/>
+              </a:tabLst>
               <a:defRPr b="0" lang="en-US" sz="1400" spc="-1" strike="noStrike">
                 <a:solidFill>
                   <a:srgbClr val="000000"/>
@@ -16065,8 +16606,11 @@
                 <a:spcPct val="100000"/>
               </a:lnSpc>
               <a:buNone/>
-            </a:pPr>
-            <a:fld id="{05A36B00-CC52-45B1-8905-C7A9057D8D15}" type="slidenum">
+              <a:tabLst>
+                <a:tab algn="l" pos="0"/>
+              </a:tabLst>
+            </a:pPr>
+            <a:fld id="{47689368-B301-48D1-88A9-057A389CC1C7}" type="slidenum">
               <a:rPr b="0" lang="en-US" sz="1400" spc="-1" strike="noStrike">
                 <a:solidFill>
                   <a:srgbClr val="000000"/>
@@ -16097,7 +16641,7 @@
         <p:spPr>
           <a:xfrm>
             <a:off x="1600200" y="3282840"/>
-            <a:ext cx="5632560" cy="2432160"/>
+            <a:ext cx="5632200" cy="2431800"/>
           </a:xfrm>
           <a:prstGeom prst="rect">
             <a:avLst/>
@@ -16150,7 +16694,7 @@
         <p:spPr>
           <a:xfrm>
             <a:off x="338040" y="318960"/>
-            <a:ext cx="8453880" cy="578520"/>
+            <a:ext cx="8453520" cy="578160"/>
           </a:xfrm>
           <a:prstGeom prst="rect">
             <a:avLst/>
@@ -16170,6 +16714,9 @@
                 <a:spcPct val="100000"/>
               </a:lnSpc>
               <a:buNone/>
+              <a:tabLst>
+                <a:tab algn="l" pos="0"/>
+              </a:tabLst>
             </a:pPr>
             <a:r>
               <a:rPr b="0" lang="en-US" sz="3200" spc="-1" strike="noStrike">
@@ -16202,7 +16749,7 @@
         <p:spPr>
           <a:xfrm>
             <a:off x="338040" y="1065240"/>
-            <a:ext cx="7828560" cy="3049560"/>
+            <a:ext cx="7828200" cy="3049200"/>
           </a:xfrm>
           <a:prstGeom prst="rect">
             <a:avLst/>
@@ -16448,7 +16995,7 @@
         <p:spPr>
           <a:xfrm>
             <a:off x="1371600" y="6553080"/>
-            <a:ext cx="4647240" cy="167040"/>
+            <a:ext cx="4646880" cy="166680"/>
           </a:xfrm>
           <a:prstGeom prst="rect">
             <a:avLst/>
@@ -16468,6 +17015,9 @@
                 <a:spcPct val="100000"/>
               </a:lnSpc>
               <a:buNone/>
+              <a:tabLst>
+                <a:tab algn="l" pos="0"/>
+              </a:tabLst>
               <a:defRPr b="0" lang="en-US" sz="1200" spc="-1" strike="noStrike">
                 <a:solidFill>
                   <a:srgbClr val="000000"/>
@@ -16482,6 +17032,9 @@
                 <a:spcPct val="100000"/>
               </a:lnSpc>
               <a:buNone/>
+              <a:tabLst>
+                <a:tab algn="l" pos="0"/>
+              </a:tabLst>
             </a:pPr>
             <a:r>
               <a:rPr b="0" lang="en-US" sz="1200" spc="-1" strike="noStrike">
@@ -16514,7 +17067,7 @@
         <p:spPr>
           <a:xfrm>
             <a:off x="6172200" y="6534000"/>
-            <a:ext cx="1675440" cy="170280"/>
+            <a:ext cx="1675080" cy="169920"/>
           </a:xfrm>
           <a:prstGeom prst="rect">
             <a:avLst/>
@@ -16534,6 +17087,9 @@
                 <a:spcPct val="100000"/>
               </a:lnSpc>
               <a:buNone/>
+              <a:tabLst>
+                <a:tab algn="l" pos="0"/>
+              </a:tabLst>
               <a:defRPr b="0" lang="en-US" sz="1200" spc="-1" strike="noStrike">
                 <a:solidFill>
                   <a:srgbClr val="000000"/>
@@ -16548,6 +17104,9 @@
                 <a:spcPct val="100000"/>
               </a:lnSpc>
               <a:buNone/>
+              <a:tabLst>
+                <a:tab algn="l" pos="0"/>
+              </a:tabLst>
             </a:pPr>
             <a:r>
               <a:rPr b="0" lang="en-US" sz="1200" spc="-1" strike="noStrike">
@@ -16580,7 +17139,7 @@
         <p:spPr>
           <a:xfrm>
             <a:off x="8153280" y="6537240"/>
-            <a:ext cx="837000" cy="167040"/>
+            <a:ext cx="836640" cy="166680"/>
           </a:xfrm>
           <a:prstGeom prst="rect">
             <a:avLst/>
@@ -16600,6 +17159,9 @@
                 <a:spcPct val="100000"/>
               </a:lnSpc>
               <a:buNone/>
+              <a:tabLst>
+                <a:tab algn="l" pos="0"/>
+              </a:tabLst>
               <a:defRPr b="0" lang="en-US" sz="1400" spc="-1" strike="noStrike">
                 <a:solidFill>
                   <a:srgbClr val="000000"/>
@@ -16614,8 +17176,11 @@
                 <a:spcPct val="100000"/>
               </a:lnSpc>
               <a:buNone/>
-            </a:pPr>
-            <a:fld id="{81DC329A-11DC-473C-8D59-8A1093D3EB1E}" type="slidenum">
+              <a:tabLst>
+                <a:tab algn="l" pos="0"/>
+              </a:tabLst>
+            </a:pPr>
+            <a:fld id="{826E0EF8-7AAB-400A-AB20-543AA40343A0}" type="slidenum">
               <a:rPr b="0" lang="en-US" sz="1400" spc="-1" strike="noStrike">
                 <a:solidFill>
                   <a:srgbClr val="000000"/>
@@ -16646,7 +17211,7 @@
         <p:spPr>
           <a:xfrm>
             <a:off x="1170000" y="4328640"/>
-            <a:ext cx="6327720" cy="1828800"/>
+            <a:ext cx="6327360" cy="1828440"/>
           </a:xfrm>
           <a:prstGeom prst="rect">
             <a:avLst/>
